--- a/báo cáo Project VHT 2025.pptx
+++ b/báo cáo Project VHT 2025.pptx
@@ -517,6 +517,3442 @@
     </a:lvl9pPr>
   </p:notesStyle>
 </p:notesMaster>
+</file>
+
+<file path=ppt/notesSlides/notesSlide1.xml><?xml version="1.0" encoding="utf-8"?>
+<p:notes xmlns:a="http://schemas.openxmlformats.org/drawingml/2006/main" xmlns:r="http://schemas.openxmlformats.org/officeDocument/2006/relationships" xmlns:p="http://schemas.openxmlformats.org/presentationml/2006/main">
+  <p:cSld>
+    <p:spTree>
+      <p:nvGrpSpPr>
+        <p:cNvPr id="1" name=""/>
+        <p:cNvGrpSpPr/>
+        <p:nvPr/>
+      </p:nvGrpSpPr>
+      <p:grpSpPr>
+        <a:xfrm>
+          <a:off x="0" y="0"/>
+          <a:ext cx="0" cy="0"/>
+          <a:chOff x="0" y="0"/>
+          <a:chExt cx="0" cy="0"/>
+        </a:xfrm>
+      </p:grpSpPr>
+      <p:sp>
+        <p:nvSpPr>
+          <p:cNvPr id="2" name="Slide Image Placeholder 1"/>
+          <p:cNvSpPr>
+            <a:spLocks noGrp="1" noRot="1" noChangeAspect="1"/>
+          </p:cNvSpPr>
+          <p:nvPr>
+            <p:ph type="sldImg"/>
+          </p:nvPr>
+        </p:nvSpPr>
+        <p:spPr/>
+      </p:sp>
+      <p:sp>
+        <p:nvSpPr>
+          <p:cNvPr id="3" name="Notes Placeholder 2"/>
+          <p:cNvSpPr>
+            <a:spLocks noGrp="1"/>
+          </p:cNvSpPr>
+          <p:nvPr>
+            <p:ph type="body" idx="1"/>
+          </p:nvPr>
+        </p:nvSpPr>
+        <p:spPr/>
+        <p:txBody>
+          <a:bodyPr/>
+          <a:lstStyle/>
+          <a:p>
+            <a:pPr marL="0" marR="0" indent="0" algn="l" defTabSz="914400" rtl="0" eaLnBrk="1" fontAlgn="auto" latinLnBrk="0" hangingPunct="1">
+              <a:lnSpc>
+                <a:spcPct val="100000"/>
+              </a:lnSpc>
+              <a:spcBef>
+                <a:spcPts val="0"/>
+              </a:spcBef>
+              <a:spcAft>
+                <a:spcPts val="0"/>
+              </a:spcAft>
+              <a:buClrTx/>
+              <a:buSzTx/>
+              <a:buFontTx/>
+              <a:buNone/>
+              <a:tabLst/>
+              <a:defRPr/>
+            </a:pPr>
+            <a:r>
+              <a:rPr lang="en-US" sz="1200" kern="1200" dirty="0" smtClean="0">
+                <a:solidFill>
+                  <a:schemeClr val="tx1"/>
+                </a:solidFill>
+                <a:effectLst/>
+                <a:latin typeface="+mn-lt"/>
+                <a:ea typeface="+mn-ea"/>
+                <a:cs typeface="+mn-cs"/>
+              </a:rPr>
+              <a:t>UE ở </a:t>
+            </a:r>
+            <a:r>
+              <a:rPr lang="en-US" sz="1200" kern="1200" dirty="0" err="1" smtClean="0">
+                <a:solidFill>
+                  <a:schemeClr val="tx1"/>
+                </a:solidFill>
+                <a:effectLst/>
+                <a:latin typeface="+mn-lt"/>
+                <a:ea typeface="+mn-ea"/>
+                <a:cs typeface="+mn-cs"/>
+              </a:rPr>
+              <a:t>trạng</a:t>
+            </a:r>
+            <a:r>
+              <a:rPr lang="en-US" sz="1200" kern="1200" dirty="0" smtClean="0">
+                <a:solidFill>
+                  <a:schemeClr val="tx1"/>
+                </a:solidFill>
+                <a:effectLst/>
+                <a:latin typeface="+mn-lt"/>
+                <a:ea typeface="+mn-ea"/>
+                <a:cs typeface="+mn-cs"/>
+              </a:rPr>
+              <a:t> </a:t>
+            </a:r>
+            <a:r>
+              <a:rPr lang="en-US" sz="1200" kern="1200" dirty="0" err="1" smtClean="0">
+                <a:solidFill>
+                  <a:schemeClr val="tx1"/>
+                </a:solidFill>
+                <a:effectLst/>
+                <a:latin typeface="+mn-lt"/>
+                <a:ea typeface="+mn-ea"/>
+                <a:cs typeface="+mn-cs"/>
+              </a:rPr>
+              <a:t>thái</a:t>
+            </a:r>
+            <a:r>
+              <a:rPr lang="en-US" sz="1200" kern="1200" dirty="0" smtClean="0">
+                <a:solidFill>
+                  <a:schemeClr val="tx1"/>
+                </a:solidFill>
+                <a:effectLst/>
+                <a:latin typeface="+mn-lt"/>
+                <a:ea typeface="+mn-ea"/>
+                <a:cs typeface="+mn-cs"/>
+              </a:rPr>
+              <a:t> </a:t>
+            </a:r>
+            <a:r>
+              <a:rPr lang="en-US" sz="1200" b="1" i="1" kern="1200" dirty="0" smtClean="0">
+                <a:solidFill>
+                  <a:schemeClr val="tx1"/>
+                </a:solidFill>
+                <a:effectLst/>
+                <a:latin typeface="+mn-lt"/>
+                <a:ea typeface="+mn-ea"/>
+                <a:cs typeface="+mn-cs"/>
+              </a:rPr>
+              <a:t>UE_IDLE</a:t>
+            </a:r>
+            <a:r>
+              <a:rPr lang="en-US" sz="1200" kern="1200" dirty="0" smtClean="0">
+                <a:solidFill>
+                  <a:schemeClr val="tx1"/>
+                </a:solidFill>
+                <a:effectLst/>
+                <a:latin typeface="+mn-lt"/>
+                <a:ea typeface="+mn-ea"/>
+                <a:cs typeface="+mn-cs"/>
+              </a:rPr>
+              <a:t> </a:t>
+            </a:r>
+            <a:r>
+              <a:rPr lang="en-US" sz="1200" kern="1200" dirty="0" err="1" smtClean="0">
+                <a:solidFill>
+                  <a:schemeClr val="tx1"/>
+                </a:solidFill>
+                <a:effectLst/>
+                <a:latin typeface="+mn-lt"/>
+                <a:ea typeface="+mn-ea"/>
+                <a:cs typeface="+mn-cs"/>
+              </a:rPr>
+              <a:t>và</a:t>
+            </a:r>
+            <a:r>
+              <a:rPr lang="en-US" sz="1200" kern="1200" dirty="0" smtClean="0">
+                <a:solidFill>
+                  <a:schemeClr val="tx1"/>
+                </a:solidFill>
+                <a:effectLst/>
+                <a:latin typeface="+mn-lt"/>
+                <a:ea typeface="+mn-ea"/>
+                <a:cs typeface="+mn-cs"/>
+              </a:rPr>
+              <a:t> </a:t>
+            </a:r>
+            <a:r>
+              <a:rPr lang="en-US" sz="1200" kern="1200" dirty="0" err="1" smtClean="0">
+                <a:solidFill>
+                  <a:schemeClr val="tx1"/>
+                </a:solidFill>
+                <a:effectLst/>
+                <a:latin typeface="+mn-lt"/>
+                <a:ea typeface="+mn-ea"/>
+                <a:cs typeface="+mn-cs"/>
+              </a:rPr>
+              <a:t>thực</a:t>
+            </a:r>
+            <a:r>
+              <a:rPr lang="en-US" sz="1200" kern="1200" dirty="0" smtClean="0">
+                <a:solidFill>
+                  <a:schemeClr val="tx1"/>
+                </a:solidFill>
+                <a:effectLst/>
+                <a:latin typeface="+mn-lt"/>
+                <a:ea typeface="+mn-ea"/>
+                <a:cs typeface="+mn-cs"/>
+              </a:rPr>
+              <a:t> </a:t>
+            </a:r>
+            <a:r>
+              <a:rPr lang="en-US" sz="1200" kern="1200" dirty="0" err="1" smtClean="0">
+                <a:solidFill>
+                  <a:schemeClr val="tx1"/>
+                </a:solidFill>
+                <a:effectLst/>
+                <a:latin typeface="+mn-lt"/>
+                <a:ea typeface="+mn-ea"/>
+                <a:cs typeface="+mn-cs"/>
+              </a:rPr>
+              <a:t>hiện</a:t>
+            </a:r>
+            <a:r>
+              <a:rPr lang="en-US" sz="1200" kern="1200" dirty="0" smtClean="0">
+                <a:solidFill>
+                  <a:schemeClr val="tx1"/>
+                </a:solidFill>
+                <a:effectLst/>
+                <a:latin typeface="+mn-lt"/>
+                <a:ea typeface="+mn-ea"/>
+                <a:cs typeface="+mn-cs"/>
+              </a:rPr>
+              <a:t> </a:t>
+            </a:r>
+            <a:r>
+              <a:rPr lang="en-US" sz="1200" kern="1200" dirty="0" err="1" smtClean="0">
+                <a:solidFill>
+                  <a:schemeClr val="tx1"/>
+                </a:solidFill>
+                <a:effectLst/>
+                <a:latin typeface="+mn-lt"/>
+                <a:ea typeface="+mn-ea"/>
+                <a:cs typeface="+mn-cs"/>
+              </a:rPr>
+              <a:t>gửi</a:t>
+            </a:r>
+            <a:r>
+              <a:rPr lang="en-US" sz="1200" kern="1200" dirty="0" smtClean="0">
+                <a:solidFill>
+                  <a:schemeClr val="tx1"/>
+                </a:solidFill>
+                <a:effectLst/>
+                <a:latin typeface="+mn-lt"/>
+                <a:ea typeface="+mn-ea"/>
+                <a:cs typeface="+mn-cs"/>
+              </a:rPr>
+              <a:t> </a:t>
+            </a:r>
+            <a:r>
+              <a:rPr lang="en-US" sz="1200" kern="1200" dirty="0" err="1" smtClean="0">
+                <a:solidFill>
+                  <a:schemeClr val="tx1"/>
+                </a:solidFill>
+                <a:effectLst/>
+                <a:latin typeface="+mn-lt"/>
+                <a:ea typeface="+mn-ea"/>
+                <a:cs typeface="+mn-cs"/>
+              </a:rPr>
+              <a:t>bản</a:t>
+            </a:r>
+            <a:r>
+              <a:rPr lang="en-US" sz="1200" kern="1200" dirty="0" smtClean="0">
+                <a:solidFill>
+                  <a:schemeClr val="tx1"/>
+                </a:solidFill>
+                <a:effectLst/>
+                <a:latin typeface="+mn-lt"/>
+                <a:ea typeface="+mn-ea"/>
+                <a:cs typeface="+mn-cs"/>
+              </a:rPr>
+              <a:t> tin </a:t>
+            </a:r>
+            <a:r>
+              <a:rPr lang="en-US" sz="1200" b="1" kern="1200" dirty="0" smtClean="0">
+                <a:solidFill>
+                  <a:schemeClr val="tx1"/>
+                </a:solidFill>
+                <a:effectLst/>
+                <a:latin typeface="+mn-lt"/>
+                <a:ea typeface="+mn-ea"/>
+                <a:cs typeface="+mn-cs"/>
+              </a:rPr>
+              <a:t>UE_RRC_CONNECTION_REQUEST</a:t>
+            </a:r>
+            <a:r>
+              <a:rPr lang="en-US" sz="1200" kern="1200" dirty="0" smtClean="0">
+                <a:solidFill>
+                  <a:schemeClr val="tx1"/>
+                </a:solidFill>
+                <a:effectLst/>
+                <a:latin typeface="+mn-lt"/>
+                <a:ea typeface="+mn-ea"/>
+                <a:cs typeface="+mn-cs"/>
+              </a:rPr>
+              <a:t> (</a:t>
+            </a:r>
+            <a:r>
+              <a:rPr lang="en-US" sz="1200" kern="1200" dirty="0" err="1" smtClean="0">
+                <a:solidFill>
+                  <a:schemeClr val="tx1"/>
+                </a:solidFill>
+                <a:effectLst/>
+                <a:latin typeface="+mn-lt"/>
+                <a:ea typeface="+mn-ea"/>
+                <a:cs typeface="+mn-cs"/>
+              </a:rPr>
+              <a:t>RandomValue</a:t>
+            </a:r>
+            <a:r>
+              <a:rPr lang="en-US" sz="1200" kern="1200" dirty="0" smtClean="0">
+                <a:solidFill>
+                  <a:schemeClr val="tx1"/>
+                </a:solidFill>
+                <a:effectLst/>
+                <a:latin typeface="+mn-lt"/>
+                <a:ea typeface="+mn-ea"/>
+                <a:cs typeface="+mn-cs"/>
+              </a:rPr>
+              <a:t> present) </a:t>
+            </a:r>
+            <a:r>
+              <a:rPr lang="en-US" sz="1200" kern="1200" dirty="0" err="1" smtClean="0">
+                <a:solidFill>
+                  <a:schemeClr val="tx1"/>
+                </a:solidFill>
+                <a:effectLst/>
+                <a:latin typeface="+mn-lt"/>
+                <a:ea typeface="+mn-ea"/>
+                <a:cs typeface="+mn-cs"/>
+              </a:rPr>
+              <a:t>lên</a:t>
+            </a:r>
+            <a:r>
+              <a:rPr lang="en-US" sz="1200" kern="1200" dirty="0" smtClean="0">
+                <a:solidFill>
+                  <a:schemeClr val="tx1"/>
+                </a:solidFill>
+                <a:effectLst/>
+                <a:latin typeface="+mn-lt"/>
+                <a:ea typeface="+mn-ea"/>
+                <a:cs typeface="+mn-cs"/>
+              </a:rPr>
+              <a:t> </a:t>
+            </a:r>
+            <a:r>
+              <a:rPr lang="en-US" sz="1200" kern="1200" dirty="0" err="1" smtClean="0">
+                <a:solidFill>
+                  <a:schemeClr val="tx1"/>
+                </a:solidFill>
+                <a:effectLst/>
+                <a:latin typeface="+mn-lt"/>
+                <a:ea typeface="+mn-ea"/>
+                <a:cs typeface="+mn-cs"/>
+              </a:rPr>
+              <a:t>cho</a:t>
+            </a:r>
+            <a:r>
+              <a:rPr lang="en-US" sz="1200" kern="1200" dirty="0" smtClean="0">
+                <a:solidFill>
+                  <a:schemeClr val="tx1"/>
+                </a:solidFill>
+                <a:effectLst/>
+                <a:latin typeface="+mn-lt"/>
+                <a:ea typeface="+mn-ea"/>
+                <a:cs typeface="+mn-cs"/>
+              </a:rPr>
+              <a:t> </a:t>
+            </a:r>
+            <a:r>
+              <a:rPr lang="en-US" sz="1200" kern="1200" dirty="0" err="1" smtClean="0">
+                <a:solidFill>
+                  <a:schemeClr val="tx1"/>
+                </a:solidFill>
+                <a:effectLst/>
+                <a:latin typeface="+mn-lt"/>
+                <a:ea typeface="+mn-ea"/>
+                <a:cs typeface="+mn-cs"/>
+              </a:rPr>
+              <a:t>gNodeB</a:t>
+            </a:r>
+            <a:r>
+              <a:rPr lang="en-US" sz="1200" kern="1200" dirty="0" smtClean="0">
+                <a:solidFill>
+                  <a:schemeClr val="tx1"/>
+                </a:solidFill>
+                <a:effectLst/>
+                <a:latin typeface="+mn-lt"/>
+                <a:ea typeface="+mn-ea"/>
+                <a:cs typeface="+mn-cs"/>
+              </a:rPr>
+              <a:t>. </a:t>
+            </a:r>
+            <a:r>
+              <a:rPr lang="en-US" sz="1200" kern="1200" dirty="0" err="1" smtClean="0">
+                <a:solidFill>
+                  <a:schemeClr val="tx1"/>
+                </a:solidFill>
+                <a:effectLst/>
+                <a:latin typeface="+mn-lt"/>
+                <a:ea typeface="+mn-ea"/>
+                <a:cs typeface="+mn-cs"/>
+              </a:rPr>
+              <a:t>gNB</a:t>
+            </a:r>
+            <a:r>
+              <a:rPr lang="en-US" sz="1200" kern="1200" dirty="0" smtClean="0">
+                <a:solidFill>
+                  <a:schemeClr val="tx1"/>
+                </a:solidFill>
+                <a:effectLst/>
+                <a:latin typeface="+mn-lt"/>
+                <a:ea typeface="+mn-ea"/>
+                <a:cs typeface="+mn-cs"/>
+              </a:rPr>
+              <a:t> </a:t>
+            </a:r>
+            <a:r>
+              <a:rPr lang="en-US" sz="1200" kern="1200" dirty="0" err="1" smtClean="0">
+                <a:solidFill>
+                  <a:schemeClr val="tx1"/>
+                </a:solidFill>
+                <a:effectLst/>
+                <a:latin typeface="+mn-lt"/>
+                <a:ea typeface="+mn-ea"/>
+                <a:cs typeface="+mn-cs"/>
+              </a:rPr>
+              <a:t>sẽ</a:t>
+            </a:r>
+            <a:r>
+              <a:rPr lang="en-US" sz="1200" kern="1200" dirty="0" smtClean="0">
+                <a:solidFill>
+                  <a:schemeClr val="tx1"/>
+                </a:solidFill>
+                <a:effectLst/>
+                <a:latin typeface="+mn-lt"/>
+                <a:ea typeface="+mn-ea"/>
+                <a:cs typeface="+mn-cs"/>
+              </a:rPr>
+              <a:t> </a:t>
+            </a:r>
+            <a:r>
+              <a:rPr lang="en-US" sz="1200" kern="1200" dirty="0" err="1" smtClean="0">
+                <a:solidFill>
+                  <a:schemeClr val="tx1"/>
+                </a:solidFill>
+                <a:effectLst/>
+                <a:latin typeface="+mn-lt"/>
+                <a:ea typeface="+mn-ea"/>
+                <a:cs typeface="+mn-cs"/>
+              </a:rPr>
+              <a:t>sử</a:t>
+            </a:r>
+            <a:r>
+              <a:rPr lang="en-US" sz="1200" kern="1200" dirty="0" smtClean="0">
+                <a:solidFill>
+                  <a:schemeClr val="tx1"/>
+                </a:solidFill>
+                <a:effectLst/>
+                <a:latin typeface="+mn-lt"/>
+                <a:ea typeface="+mn-ea"/>
+                <a:cs typeface="+mn-cs"/>
+              </a:rPr>
+              <a:t> </a:t>
+            </a:r>
+            <a:r>
+              <a:rPr lang="en-US" sz="1200" kern="1200" dirty="0" err="1" smtClean="0">
+                <a:solidFill>
+                  <a:schemeClr val="tx1"/>
+                </a:solidFill>
+                <a:effectLst/>
+                <a:latin typeface="+mn-lt"/>
+                <a:ea typeface="+mn-ea"/>
+                <a:cs typeface="+mn-cs"/>
+              </a:rPr>
+              <a:t>dụng</a:t>
+            </a:r>
+            <a:r>
+              <a:rPr lang="en-US" sz="1200" kern="1200" dirty="0" smtClean="0">
+                <a:solidFill>
+                  <a:schemeClr val="tx1"/>
+                </a:solidFill>
+                <a:effectLst/>
+                <a:latin typeface="+mn-lt"/>
+                <a:ea typeface="+mn-ea"/>
+                <a:cs typeface="+mn-cs"/>
+              </a:rPr>
+              <a:t> </a:t>
+            </a:r>
+            <a:r>
+              <a:rPr lang="en-US" sz="1200" kern="1200" dirty="0" err="1" smtClean="0">
+                <a:solidFill>
+                  <a:schemeClr val="tx1"/>
+                </a:solidFill>
+                <a:effectLst/>
+                <a:latin typeface="+mn-lt"/>
+                <a:ea typeface="+mn-ea"/>
+                <a:cs typeface="+mn-cs"/>
+              </a:rPr>
+              <a:t>thuật</a:t>
+            </a:r>
+            <a:r>
+              <a:rPr lang="en-US" sz="1200" kern="1200" dirty="0" smtClean="0">
+                <a:solidFill>
+                  <a:schemeClr val="tx1"/>
+                </a:solidFill>
+                <a:effectLst/>
+                <a:latin typeface="+mn-lt"/>
+                <a:ea typeface="+mn-ea"/>
+                <a:cs typeface="+mn-cs"/>
+              </a:rPr>
+              <a:t> </a:t>
+            </a:r>
+            <a:r>
+              <a:rPr lang="en-US" sz="1200" kern="1200" dirty="0" err="1" smtClean="0">
+                <a:solidFill>
+                  <a:schemeClr val="tx1"/>
+                </a:solidFill>
+                <a:effectLst/>
+                <a:latin typeface="+mn-lt"/>
+                <a:ea typeface="+mn-ea"/>
+                <a:cs typeface="+mn-cs"/>
+              </a:rPr>
+              <a:t>toán</a:t>
+            </a:r>
+            <a:r>
+              <a:rPr lang="en-US" sz="1200" kern="1200" dirty="0" smtClean="0">
+                <a:solidFill>
+                  <a:schemeClr val="tx1"/>
+                </a:solidFill>
+                <a:effectLst/>
+                <a:latin typeface="+mn-lt"/>
+                <a:ea typeface="+mn-ea"/>
+                <a:cs typeface="+mn-cs"/>
+              </a:rPr>
+              <a:t> weight factor </a:t>
+            </a:r>
+            <a:r>
+              <a:rPr lang="en-US" sz="1200" kern="1200" dirty="0" err="1" smtClean="0">
+                <a:solidFill>
+                  <a:schemeClr val="tx1"/>
+                </a:solidFill>
+                <a:effectLst/>
+                <a:latin typeface="+mn-lt"/>
+                <a:ea typeface="+mn-ea"/>
+                <a:cs typeface="+mn-cs"/>
+              </a:rPr>
+              <a:t>để</a:t>
+            </a:r>
+            <a:r>
+              <a:rPr lang="en-US" sz="1200" kern="1200" dirty="0" smtClean="0">
+                <a:solidFill>
+                  <a:schemeClr val="tx1"/>
+                </a:solidFill>
+                <a:effectLst/>
+                <a:latin typeface="+mn-lt"/>
+                <a:ea typeface="+mn-ea"/>
+                <a:cs typeface="+mn-cs"/>
+              </a:rPr>
+              <a:t> </a:t>
+            </a:r>
+            <a:r>
+              <a:rPr lang="en-US" sz="1200" kern="1200" dirty="0" err="1" smtClean="0">
+                <a:solidFill>
+                  <a:schemeClr val="tx1"/>
+                </a:solidFill>
+                <a:effectLst/>
+                <a:latin typeface="+mn-lt"/>
+                <a:ea typeface="+mn-ea"/>
+                <a:cs typeface="+mn-cs"/>
+              </a:rPr>
+              <a:t>lựa</a:t>
+            </a:r>
+            <a:r>
+              <a:rPr lang="en-US" sz="1200" kern="1200" dirty="0" smtClean="0">
+                <a:solidFill>
+                  <a:schemeClr val="tx1"/>
+                </a:solidFill>
+                <a:effectLst/>
+                <a:latin typeface="+mn-lt"/>
+                <a:ea typeface="+mn-ea"/>
+                <a:cs typeface="+mn-cs"/>
+              </a:rPr>
+              <a:t> </a:t>
+            </a:r>
+            <a:r>
+              <a:rPr lang="en-US" sz="1200" kern="1200" dirty="0" err="1" smtClean="0">
+                <a:solidFill>
+                  <a:schemeClr val="tx1"/>
+                </a:solidFill>
+                <a:effectLst/>
+                <a:latin typeface="+mn-lt"/>
+                <a:ea typeface="+mn-ea"/>
+                <a:cs typeface="+mn-cs"/>
+              </a:rPr>
+              <a:t>chọn</a:t>
+            </a:r>
+            <a:r>
+              <a:rPr lang="en-US" sz="1200" kern="1200" dirty="0" smtClean="0">
+                <a:solidFill>
+                  <a:schemeClr val="tx1"/>
+                </a:solidFill>
+                <a:effectLst/>
+                <a:latin typeface="+mn-lt"/>
+                <a:ea typeface="+mn-ea"/>
+                <a:cs typeface="+mn-cs"/>
+              </a:rPr>
+              <a:t> </a:t>
+            </a:r>
+            <a:r>
+              <a:rPr lang="en-US" sz="1200" kern="1200" dirty="0" err="1" smtClean="0">
+                <a:solidFill>
+                  <a:schemeClr val="tx1"/>
+                </a:solidFill>
+                <a:effectLst/>
+                <a:latin typeface="+mn-lt"/>
+                <a:ea typeface="+mn-ea"/>
+                <a:cs typeface="+mn-cs"/>
+              </a:rPr>
+              <a:t>ra</a:t>
+            </a:r>
+            <a:r>
+              <a:rPr lang="en-US" sz="1200" kern="1200" dirty="0" smtClean="0">
+                <a:solidFill>
+                  <a:schemeClr val="tx1"/>
+                </a:solidFill>
+                <a:effectLst/>
+                <a:latin typeface="+mn-lt"/>
+                <a:ea typeface="+mn-ea"/>
+                <a:cs typeface="+mn-cs"/>
+              </a:rPr>
+              <a:t> AMF </a:t>
+            </a:r>
+            <a:r>
+              <a:rPr lang="en-US" sz="1200" kern="1200" dirty="0" err="1" smtClean="0">
+                <a:solidFill>
+                  <a:schemeClr val="tx1"/>
+                </a:solidFill>
+                <a:effectLst/>
+                <a:latin typeface="+mn-lt"/>
+                <a:ea typeface="+mn-ea"/>
+                <a:cs typeface="+mn-cs"/>
+              </a:rPr>
+              <a:t>để</a:t>
+            </a:r>
+            <a:r>
+              <a:rPr lang="en-US" sz="1200" kern="1200" dirty="0" smtClean="0">
+                <a:solidFill>
+                  <a:schemeClr val="tx1"/>
+                </a:solidFill>
+                <a:effectLst/>
+                <a:latin typeface="+mn-lt"/>
+                <a:ea typeface="+mn-ea"/>
+                <a:cs typeface="+mn-cs"/>
+              </a:rPr>
+              <a:t>  </a:t>
+            </a:r>
+            <a:r>
+              <a:rPr lang="en-US" sz="1200" kern="1200" dirty="0" err="1" smtClean="0">
+                <a:solidFill>
+                  <a:schemeClr val="tx1"/>
+                </a:solidFill>
+                <a:effectLst/>
+                <a:latin typeface="+mn-lt"/>
+                <a:ea typeface="+mn-ea"/>
+                <a:cs typeface="+mn-cs"/>
+              </a:rPr>
+              <a:t>gửi</a:t>
+            </a:r>
+            <a:r>
+              <a:rPr lang="en-US" sz="1200" kern="1200" dirty="0" smtClean="0">
+                <a:solidFill>
+                  <a:schemeClr val="tx1"/>
+                </a:solidFill>
+                <a:effectLst/>
+                <a:latin typeface="+mn-lt"/>
+                <a:ea typeface="+mn-ea"/>
+                <a:cs typeface="+mn-cs"/>
+              </a:rPr>
+              <a:t> </a:t>
+            </a:r>
+            <a:r>
+              <a:rPr lang="en-US" sz="1200" kern="1200" dirty="0" err="1" smtClean="0">
+                <a:solidFill>
+                  <a:schemeClr val="tx1"/>
+                </a:solidFill>
+                <a:effectLst/>
+                <a:latin typeface="+mn-lt"/>
+                <a:ea typeface="+mn-ea"/>
+                <a:cs typeface="+mn-cs"/>
+              </a:rPr>
+              <a:t>bản</a:t>
+            </a:r>
+            <a:r>
+              <a:rPr lang="en-US" sz="1200" kern="1200" dirty="0" smtClean="0">
+                <a:solidFill>
+                  <a:schemeClr val="tx1"/>
+                </a:solidFill>
+                <a:effectLst/>
+                <a:latin typeface="+mn-lt"/>
+                <a:ea typeface="+mn-ea"/>
+                <a:cs typeface="+mn-cs"/>
+              </a:rPr>
+              <a:t> tin </a:t>
+            </a:r>
+            <a:r>
+              <a:rPr lang="en-US" sz="1200" b="1" kern="1200" dirty="0" smtClean="0">
+                <a:solidFill>
+                  <a:schemeClr val="tx1"/>
+                </a:solidFill>
+                <a:effectLst/>
+                <a:latin typeface="+mn-lt"/>
+                <a:ea typeface="+mn-ea"/>
+                <a:cs typeface="+mn-cs"/>
+              </a:rPr>
+              <a:t>RRC_NGAP_UE_CONNECTION_ESTABLISHMENT</a:t>
+            </a:r>
+            <a:r>
+              <a:rPr lang="en-US" sz="1200" kern="1200" dirty="0" smtClean="0">
+                <a:solidFill>
+                  <a:schemeClr val="tx1"/>
+                </a:solidFill>
+                <a:effectLst/>
+                <a:latin typeface="+mn-lt"/>
+                <a:ea typeface="+mn-ea"/>
+                <a:cs typeface="+mn-cs"/>
+              </a:rPr>
+              <a:t>_</a:t>
+            </a:r>
+            <a:r>
+              <a:rPr lang="en-US" sz="1200" b="1" kern="1200" dirty="0" smtClean="0">
+                <a:solidFill>
+                  <a:schemeClr val="tx1"/>
+                </a:solidFill>
+                <a:effectLst/>
+                <a:latin typeface="+mn-lt"/>
+                <a:ea typeface="+mn-ea"/>
+                <a:cs typeface="+mn-cs"/>
+              </a:rPr>
+              <a:t>REQUEST</a:t>
+            </a:r>
+            <a:r>
+              <a:rPr lang="en-US" sz="1200" kern="1200" dirty="0" smtClean="0">
+                <a:solidFill>
+                  <a:schemeClr val="tx1"/>
+                </a:solidFill>
+                <a:effectLst/>
+                <a:latin typeface="+mn-lt"/>
+                <a:ea typeface="+mn-ea"/>
+                <a:cs typeface="+mn-cs"/>
+              </a:rPr>
+              <a:t> </a:t>
+            </a:r>
+            <a:r>
+              <a:rPr lang="en-US" sz="1200" kern="1200" dirty="0" err="1" smtClean="0">
+                <a:solidFill>
+                  <a:schemeClr val="tx1"/>
+                </a:solidFill>
+                <a:effectLst/>
+                <a:latin typeface="+mn-lt"/>
+                <a:ea typeface="+mn-ea"/>
+                <a:cs typeface="+mn-cs"/>
+              </a:rPr>
+              <a:t>lên</a:t>
+            </a:r>
+            <a:r>
+              <a:rPr lang="en-US" sz="1200" kern="1200" dirty="0" smtClean="0">
+                <a:solidFill>
+                  <a:schemeClr val="tx1"/>
+                </a:solidFill>
+                <a:effectLst/>
+                <a:latin typeface="+mn-lt"/>
+                <a:ea typeface="+mn-ea"/>
+                <a:cs typeface="+mn-cs"/>
+              </a:rPr>
+              <a:t> AMF. </a:t>
+            </a:r>
+            <a:r>
+              <a:rPr lang="en-US" sz="1200" kern="1200" dirty="0" err="1" smtClean="0">
+                <a:solidFill>
+                  <a:schemeClr val="tx1"/>
+                </a:solidFill>
+                <a:effectLst/>
+                <a:latin typeface="+mn-lt"/>
+                <a:ea typeface="+mn-ea"/>
+                <a:cs typeface="+mn-cs"/>
+              </a:rPr>
+              <a:t>Khi</a:t>
+            </a:r>
+            <a:r>
+              <a:rPr lang="en-US" sz="1200" kern="1200" dirty="0" smtClean="0">
+                <a:solidFill>
+                  <a:schemeClr val="tx1"/>
+                </a:solidFill>
+                <a:effectLst/>
+                <a:latin typeface="+mn-lt"/>
+                <a:ea typeface="+mn-ea"/>
+                <a:cs typeface="+mn-cs"/>
+              </a:rPr>
+              <a:t> AMF </a:t>
+            </a:r>
+            <a:r>
+              <a:rPr lang="en-US" sz="1200" kern="1200" dirty="0" err="1" smtClean="0">
+                <a:solidFill>
+                  <a:schemeClr val="tx1"/>
+                </a:solidFill>
+                <a:effectLst/>
+                <a:latin typeface="+mn-lt"/>
+                <a:ea typeface="+mn-ea"/>
+                <a:cs typeface="+mn-cs"/>
+              </a:rPr>
+              <a:t>nhận</a:t>
+            </a:r>
+            <a:r>
+              <a:rPr lang="en-US" sz="1200" kern="1200" dirty="0" smtClean="0">
+                <a:solidFill>
+                  <a:schemeClr val="tx1"/>
+                </a:solidFill>
+                <a:effectLst/>
+                <a:latin typeface="+mn-lt"/>
+                <a:ea typeface="+mn-ea"/>
+                <a:cs typeface="+mn-cs"/>
+              </a:rPr>
+              <a:t> </a:t>
+            </a:r>
+            <a:r>
+              <a:rPr lang="en-US" sz="1200" kern="1200" dirty="0" err="1" smtClean="0">
+                <a:solidFill>
+                  <a:schemeClr val="tx1"/>
+                </a:solidFill>
+                <a:effectLst/>
+                <a:latin typeface="+mn-lt"/>
+                <a:ea typeface="+mn-ea"/>
+                <a:cs typeface="+mn-cs"/>
+              </a:rPr>
+              <a:t>được</a:t>
+            </a:r>
+            <a:r>
+              <a:rPr lang="en-US" sz="1200" kern="1200" dirty="0" smtClean="0">
+                <a:solidFill>
+                  <a:schemeClr val="tx1"/>
+                </a:solidFill>
+                <a:effectLst/>
+                <a:latin typeface="+mn-lt"/>
+                <a:ea typeface="+mn-ea"/>
+                <a:cs typeface="+mn-cs"/>
+              </a:rPr>
+              <a:t> ban tin </a:t>
+            </a:r>
+            <a:r>
+              <a:rPr lang="en-US" sz="1200" kern="1200" dirty="0" err="1" smtClean="0">
+                <a:solidFill>
+                  <a:schemeClr val="tx1"/>
+                </a:solidFill>
+                <a:effectLst/>
+                <a:latin typeface="+mn-lt"/>
+                <a:ea typeface="+mn-ea"/>
+                <a:cs typeface="+mn-cs"/>
+              </a:rPr>
+              <a:t>kiểm</a:t>
+            </a:r>
+            <a:r>
+              <a:rPr lang="en-US" sz="1200" kern="1200" dirty="0" smtClean="0">
+                <a:solidFill>
+                  <a:schemeClr val="tx1"/>
+                </a:solidFill>
+                <a:effectLst/>
+                <a:latin typeface="+mn-lt"/>
+                <a:ea typeface="+mn-ea"/>
+                <a:cs typeface="+mn-cs"/>
+              </a:rPr>
+              <a:t> </a:t>
+            </a:r>
+            <a:r>
+              <a:rPr lang="en-US" sz="1200" kern="1200" dirty="0" err="1" smtClean="0">
+                <a:solidFill>
+                  <a:schemeClr val="tx1"/>
+                </a:solidFill>
+                <a:effectLst/>
+                <a:latin typeface="+mn-lt"/>
+                <a:ea typeface="+mn-ea"/>
+                <a:cs typeface="+mn-cs"/>
+              </a:rPr>
+              <a:t>tra</a:t>
+            </a:r>
+            <a:r>
+              <a:rPr lang="en-US" sz="1200" kern="1200" dirty="0" smtClean="0">
+                <a:solidFill>
+                  <a:schemeClr val="tx1"/>
+                </a:solidFill>
+                <a:effectLst/>
+                <a:latin typeface="+mn-lt"/>
+                <a:ea typeface="+mn-ea"/>
+                <a:cs typeface="+mn-cs"/>
+              </a:rPr>
+              <a:t> bitmask </a:t>
+            </a:r>
+            <a:r>
+              <a:rPr lang="en-US" sz="1200" kern="1200" dirty="0" err="1" smtClean="0">
+                <a:solidFill>
+                  <a:schemeClr val="tx1"/>
+                </a:solidFill>
+                <a:effectLst/>
+                <a:latin typeface="+mn-lt"/>
+                <a:ea typeface="+mn-ea"/>
+                <a:cs typeface="+mn-cs"/>
+              </a:rPr>
+              <a:t>nếu</a:t>
+            </a:r>
+            <a:r>
+              <a:rPr lang="en-US" sz="1200" kern="1200" dirty="0" smtClean="0">
+                <a:solidFill>
+                  <a:schemeClr val="tx1"/>
+                </a:solidFill>
+                <a:effectLst/>
+                <a:latin typeface="+mn-lt"/>
+                <a:ea typeface="+mn-ea"/>
+                <a:cs typeface="+mn-cs"/>
+              </a:rPr>
+              <a:t> </a:t>
+            </a:r>
+            <a:r>
+              <a:rPr lang="en-US" sz="1200" kern="1200" dirty="0" err="1" smtClean="0">
+                <a:solidFill>
+                  <a:schemeClr val="tx1"/>
+                </a:solidFill>
+                <a:effectLst/>
+                <a:latin typeface="+mn-lt"/>
+                <a:ea typeface="+mn-ea"/>
+                <a:cs typeface="+mn-cs"/>
+              </a:rPr>
+              <a:t>có</a:t>
+            </a:r>
+            <a:r>
+              <a:rPr lang="en-US" sz="1200" kern="1200" dirty="0" smtClean="0">
+                <a:solidFill>
+                  <a:schemeClr val="tx1"/>
+                </a:solidFill>
+                <a:effectLst/>
+                <a:latin typeface="+mn-lt"/>
+                <a:ea typeface="+mn-ea"/>
+                <a:cs typeface="+mn-cs"/>
+              </a:rPr>
+              <a:t> </a:t>
+            </a:r>
+            <a:r>
+              <a:rPr lang="en-US" sz="1200" kern="1200" dirty="0" err="1" smtClean="0">
+                <a:solidFill>
+                  <a:schemeClr val="tx1"/>
+                </a:solidFill>
+                <a:effectLst/>
+                <a:latin typeface="+mn-lt"/>
+                <a:ea typeface="+mn-ea"/>
+                <a:cs typeface="+mn-cs"/>
+              </a:rPr>
+              <a:t>thông</a:t>
+            </a:r>
+            <a:r>
+              <a:rPr lang="en-US" sz="1200" kern="1200" dirty="0" smtClean="0">
+                <a:solidFill>
+                  <a:schemeClr val="tx1"/>
+                </a:solidFill>
+                <a:effectLst/>
+                <a:latin typeface="+mn-lt"/>
+                <a:ea typeface="+mn-ea"/>
+                <a:cs typeface="+mn-cs"/>
+              </a:rPr>
+              <a:t> tin Registration Request present </a:t>
+            </a:r>
+            <a:r>
+              <a:rPr lang="en-US" sz="1200" kern="1200" dirty="0" err="1" smtClean="0">
+                <a:solidFill>
+                  <a:schemeClr val="tx1"/>
+                </a:solidFill>
+                <a:effectLst/>
+                <a:latin typeface="+mn-lt"/>
+                <a:ea typeface="+mn-ea"/>
+                <a:cs typeface="+mn-cs"/>
+              </a:rPr>
+              <a:t>thì</a:t>
+            </a:r>
+            <a:r>
+              <a:rPr lang="en-US" sz="1200" kern="1200" dirty="0" smtClean="0">
+                <a:solidFill>
+                  <a:schemeClr val="tx1"/>
+                </a:solidFill>
+                <a:effectLst/>
+                <a:latin typeface="+mn-lt"/>
+                <a:ea typeface="+mn-ea"/>
+                <a:cs typeface="+mn-cs"/>
+              </a:rPr>
+              <a:t> AMF </a:t>
+            </a:r>
+            <a:r>
+              <a:rPr lang="en-US" sz="1200" kern="1200" dirty="0" err="1" smtClean="0">
+                <a:solidFill>
+                  <a:schemeClr val="tx1"/>
+                </a:solidFill>
+                <a:effectLst/>
+                <a:latin typeface="+mn-lt"/>
+                <a:ea typeface="+mn-ea"/>
+                <a:cs typeface="+mn-cs"/>
+              </a:rPr>
+              <a:t>sẽ</a:t>
+            </a:r>
+            <a:r>
+              <a:rPr lang="en-US" sz="1200" kern="1200" dirty="0" smtClean="0">
+                <a:solidFill>
+                  <a:schemeClr val="tx1"/>
+                </a:solidFill>
+                <a:effectLst/>
+                <a:latin typeface="+mn-lt"/>
+                <a:ea typeface="+mn-ea"/>
+                <a:cs typeface="+mn-cs"/>
+              </a:rPr>
+              <a:t> </a:t>
+            </a:r>
+            <a:r>
+              <a:rPr lang="en-US" sz="1200" kern="1200" dirty="0" err="1" smtClean="0">
+                <a:solidFill>
+                  <a:schemeClr val="tx1"/>
+                </a:solidFill>
+                <a:effectLst/>
+                <a:latin typeface="+mn-lt"/>
+                <a:ea typeface="+mn-ea"/>
+                <a:cs typeface="+mn-cs"/>
+              </a:rPr>
+              <a:t>cấp</a:t>
+            </a:r>
+            <a:r>
+              <a:rPr lang="en-US" sz="1200" kern="1200" dirty="0" smtClean="0">
+                <a:solidFill>
+                  <a:schemeClr val="tx1"/>
+                </a:solidFill>
+                <a:effectLst/>
+                <a:latin typeface="+mn-lt"/>
+                <a:ea typeface="+mn-ea"/>
+                <a:cs typeface="+mn-cs"/>
+              </a:rPr>
+              <a:t> </a:t>
+            </a:r>
+            <a:r>
+              <a:rPr lang="en-US" sz="1200" kern="1200" dirty="0" err="1" smtClean="0">
+                <a:solidFill>
+                  <a:schemeClr val="tx1"/>
+                </a:solidFill>
+                <a:effectLst/>
+                <a:latin typeface="+mn-lt"/>
+                <a:ea typeface="+mn-ea"/>
+                <a:cs typeface="+mn-cs"/>
+              </a:rPr>
+              <a:t>cho</a:t>
+            </a:r>
+            <a:r>
+              <a:rPr lang="en-US" sz="1200" kern="1200" dirty="0" smtClean="0">
+                <a:solidFill>
+                  <a:schemeClr val="tx1"/>
+                </a:solidFill>
+                <a:effectLst/>
+                <a:latin typeface="+mn-lt"/>
+                <a:ea typeface="+mn-ea"/>
+                <a:cs typeface="+mn-cs"/>
+              </a:rPr>
+              <a:t> UE </a:t>
+            </a:r>
+            <a:r>
+              <a:rPr lang="en-US" sz="1200" kern="1200" dirty="0" err="1" smtClean="0">
+                <a:solidFill>
+                  <a:schemeClr val="tx1"/>
+                </a:solidFill>
+                <a:effectLst/>
+                <a:latin typeface="+mn-lt"/>
+                <a:ea typeface="+mn-ea"/>
+                <a:cs typeface="+mn-cs"/>
+              </a:rPr>
+              <a:t>một</a:t>
+            </a:r>
+            <a:r>
+              <a:rPr lang="en-US" sz="1200" kern="1200" dirty="0" smtClean="0">
+                <a:solidFill>
+                  <a:schemeClr val="tx1"/>
+                </a:solidFill>
+                <a:effectLst/>
+                <a:latin typeface="+mn-lt"/>
+                <a:ea typeface="+mn-ea"/>
+                <a:cs typeface="+mn-cs"/>
+              </a:rPr>
+              <a:t> </a:t>
+            </a:r>
+            <a:r>
+              <a:rPr lang="en-US" sz="1200" kern="1200" dirty="0" err="1" smtClean="0">
+                <a:solidFill>
+                  <a:schemeClr val="tx1"/>
+                </a:solidFill>
+                <a:effectLst/>
+                <a:latin typeface="+mn-lt"/>
+                <a:ea typeface="+mn-ea"/>
+                <a:cs typeface="+mn-cs"/>
+              </a:rPr>
+              <a:t>số</a:t>
+            </a:r>
+            <a:r>
+              <a:rPr lang="en-US" sz="1200" kern="1200" dirty="0" smtClean="0">
+                <a:solidFill>
+                  <a:schemeClr val="tx1"/>
+                </a:solidFill>
+                <a:effectLst/>
+                <a:latin typeface="+mn-lt"/>
+                <a:ea typeface="+mn-ea"/>
+                <a:cs typeface="+mn-cs"/>
+              </a:rPr>
+              <a:t> 5G S-TMSI </a:t>
+            </a:r>
+            <a:r>
+              <a:rPr lang="en-US" sz="1200" kern="1200" dirty="0" err="1" smtClean="0">
+                <a:solidFill>
+                  <a:schemeClr val="tx1"/>
+                </a:solidFill>
+                <a:effectLst/>
+                <a:latin typeface="+mn-lt"/>
+                <a:ea typeface="+mn-ea"/>
+                <a:cs typeface="+mn-cs"/>
+              </a:rPr>
+              <a:t>để</a:t>
+            </a:r>
+            <a:r>
+              <a:rPr lang="en-US" sz="1200" kern="1200" dirty="0" smtClean="0">
+                <a:solidFill>
+                  <a:schemeClr val="tx1"/>
+                </a:solidFill>
+                <a:effectLst/>
+                <a:latin typeface="+mn-lt"/>
+                <a:ea typeface="+mn-ea"/>
+                <a:cs typeface="+mn-cs"/>
+              </a:rPr>
+              <a:t> </a:t>
+            </a:r>
+            <a:r>
+              <a:rPr lang="en-US" sz="1200" kern="1200" dirty="0" err="1" smtClean="0">
+                <a:solidFill>
+                  <a:schemeClr val="tx1"/>
+                </a:solidFill>
+                <a:effectLst/>
+                <a:latin typeface="+mn-lt"/>
+                <a:ea typeface="+mn-ea"/>
+                <a:cs typeface="+mn-cs"/>
+              </a:rPr>
+              <a:t>gửi</a:t>
+            </a:r>
+            <a:r>
+              <a:rPr lang="en-US" sz="1200" kern="1200" dirty="0" smtClean="0">
+                <a:solidFill>
+                  <a:schemeClr val="tx1"/>
+                </a:solidFill>
+                <a:effectLst/>
+                <a:latin typeface="+mn-lt"/>
+                <a:ea typeface="+mn-ea"/>
+                <a:cs typeface="+mn-cs"/>
+              </a:rPr>
+              <a:t> </a:t>
+            </a:r>
+            <a:r>
+              <a:rPr lang="en-US" sz="1200" kern="1200" dirty="0" err="1" smtClean="0">
+                <a:solidFill>
+                  <a:schemeClr val="tx1"/>
+                </a:solidFill>
+                <a:effectLst/>
+                <a:latin typeface="+mn-lt"/>
+                <a:ea typeface="+mn-ea"/>
+                <a:cs typeface="+mn-cs"/>
+              </a:rPr>
+              <a:t>lại</a:t>
+            </a:r>
+            <a:r>
+              <a:rPr lang="en-US" sz="1200" kern="1200" dirty="0" smtClean="0">
+                <a:solidFill>
+                  <a:schemeClr val="tx1"/>
+                </a:solidFill>
+                <a:effectLst/>
+                <a:latin typeface="+mn-lt"/>
+                <a:ea typeface="+mn-ea"/>
+                <a:cs typeface="+mn-cs"/>
+              </a:rPr>
+              <a:t> </a:t>
+            </a:r>
+            <a:r>
+              <a:rPr lang="en-US" sz="1200" kern="1200" dirty="0" err="1" smtClean="0">
+                <a:solidFill>
+                  <a:schemeClr val="tx1"/>
+                </a:solidFill>
+                <a:effectLst/>
+                <a:latin typeface="+mn-lt"/>
+                <a:ea typeface="+mn-ea"/>
+                <a:cs typeface="+mn-cs"/>
+              </a:rPr>
+              <a:t>cho</a:t>
+            </a:r>
+            <a:r>
+              <a:rPr lang="en-US" sz="1200" kern="1200" dirty="0" smtClean="0">
+                <a:solidFill>
+                  <a:schemeClr val="tx1"/>
+                </a:solidFill>
+                <a:effectLst/>
+                <a:latin typeface="+mn-lt"/>
+                <a:ea typeface="+mn-ea"/>
+                <a:cs typeface="+mn-cs"/>
+              </a:rPr>
+              <a:t> </a:t>
+            </a:r>
+            <a:r>
+              <a:rPr lang="en-US" sz="1200" kern="1200" dirty="0" err="1" smtClean="0">
+                <a:solidFill>
+                  <a:schemeClr val="tx1"/>
+                </a:solidFill>
+                <a:effectLst/>
+                <a:latin typeface="+mn-lt"/>
+                <a:ea typeface="+mn-ea"/>
+                <a:cs typeface="+mn-cs"/>
+              </a:rPr>
+              <a:t>gNB</a:t>
+            </a:r>
+            <a:r>
+              <a:rPr lang="en-US" sz="1200" kern="1200" dirty="0" smtClean="0">
+                <a:solidFill>
+                  <a:schemeClr val="tx1"/>
+                </a:solidFill>
+                <a:effectLst/>
+                <a:latin typeface="+mn-lt"/>
+                <a:ea typeface="+mn-ea"/>
+                <a:cs typeface="+mn-cs"/>
+              </a:rPr>
+              <a:t> </a:t>
+            </a:r>
+            <a:r>
+              <a:rPr lang="en-US" sz="1200" kern="1200" dirty="0" err="1" smtClean="0">
+                <a:solidFill>
+                  <a:schemeClr val="tx1"/>
+                </a:solidFill>
+                <a:effectLst/>
+                <a:latin typeface="+mn-lt"/>
+                <a:ea typeface="+mn-ea"/>
+                <a:cs typeface="+mn-cs"/>
+              </a:rPr>
+              <a:t>bản</a:t>
+            </a:r>
+            <a:r>
+              <a:rPr lang="en-US" sz="1200" kern="1200" dirty="0" smtClean="0">
+                <a:solidFill>
+                  <a:schemeClr val="tx1"/>
+                </a:solidFill>
+                <a:effectLst/>
+                <a:latin typeface="+mn-lt"/>
+                <a:ea typeface="+mn-ea"/>
+                <a:cs typeface="+mn-cs"/>
+              </a:rPr>
+              <a:t> tin </a:t>
+            </a:r>
+            <a:r>
+              <a:rPr lang="en-US" sz="1200" b="1" kern="1200" dirty="0" smtClean="0">
+                <a:solidFill>
+                  <a:schemeClr val="tx1"/>
+                </a:solidFill>
+                <a:effectLst/>
+                <a:latin typeface="+mn-lt"/>
+                <a:ea typeface="+mn-ea"/>
+                <a:cs typeface="+mn-cs"/>
+              </a:rPr>
+              <a:t>NGAP_RRC_UE_CONNECTION_ESTABLISHMENT_RESPONE</a:t>
+            </a:r>
+            <a:r>
+              <a:rPr lang="en-US" sz="1200" kern="1200" dirty="0" smtClean="0">
+                <a:solidFill>
+                  <a:schemeClr val="tx1"/>
+                </a:solidFill>
+                <a:effectLst/>
+                <a:latin typeface="+mn-lt"/>
+                <a:ea typeface="+mn-ea"/>
+                <a:cs typeface="+mn-cs"/>
+              </a:rPr>
+              <a:t> </a:t>
+            </a:r>
+            <a:r>
+              <a:rPr lang="en-US" sz="1200" kern="1200" dirty="0" err="1" smtClean="0">
+                <a:solidFill>
+                  <a:schemeClr val="tx1"/>
+                </a:solidFill>
+                <a:effectLst/>
+                <a:latin typeface="+mn-lt"/>
+                <a:ea typeface="+mn-ea"/>
+                <a:cs typeface="+mn-cs"/>
+              </a:rPr>
+              <a:t>và</a:t>
+            </a:r>
+            <a:r>
+              <a:rPr lang="en-US" sz="1200" kern="1200" dirty="0" smtClean="0">
+                <a:solidFill>
+                  <a:schemeClr val="tx1"/>
+                </a:solidFill>
+                <a:effectLst/>
+                <a:latin typeface="+mn-lt"/>
+                <a:ea typeface="+mn-ea"/>
+                <a:cs typeface="+mn-cs"/>
+              </a:rPr>
+              <a:t> </a:t>
+            </a:r>
+            <a:r>
+              <a:rPr lang="en-US" sz="1200" kern="1200" dirty="0" err="1" smtClean="0">
+                <a:solidFill>
+                  <a:schemeClr val="tx1"/>
+                </a:solidFill>
+                <a:effectLst/>
+                <a:latin typeface="+mn-lt"/>
+                <a:ea typeface="+mn-ea"/>
+                <a:cs typeface="+mn-cs"/>
+              </a:rPr>
+              <a:t>gNB</a:t>
+            </a:r>
+            <a:r>
+              <a:rPr lang="en-US" sz="1200" kern="1200" dirty="0" smtClean="0">
+                <a:solidFill>
+                  <a:schemeClr val="tx1"/>
+                </a:solidFill>
+                <a:effectLst/>
+                <a:latin typeface="+mn-lt"/>
+                <a:ea typeface="+mn-ea"/>
+                <a:cs typeface="+mn-cs"/>
+              </a:rPr>
+              <a:t> </a:t>
+            </a:r>
+            <a:r>
+              <a:rPr lang="en-US" sz="1200" kern="1200" dirty="0" err="1" smtClean="0">
+                <a:solidFill>
+                  <a:schemeClr val="tx1"/>
+                </a:solidFill>
+                <a:effectLst/>
+                <a:latin typeface="+mn-lt"/>
+                <a:ea typeface="+mn-ea"/>
+                <a:cs typeface="+mn-cs"/>
+              </a:rPr>
+              <a:t>sẽ</a:t>
+            </a:r>
+            <a:r>
+              <a:rPr lang="en-US" sz="1200" kern="1200" dirty="0" smtClean="0">
+                <a:solidFill>
+                  <a:schemeClr val="tx1"/>
+                </a:solidFill>
+                <a:effectLst/>
+                <a:latin typeface="+mn-lt"/>
+                <a:ea typeface="+mn-ea"/>
+                <a:cs typeface="+mn-cs"/>
+              </a:rPr>
+              <a:t> forward </a:t>
+            </a:r>
+            <a:r>
+              <a:rPr lang="en-US" sz="1200" kern="1200" dirty="0" err="1" smtClean="0">
+                <a:solidFill>
+                  <a:schemeClr val="tx1"/>
+                </a:solidFill>
+                <a:effectLst/>
+                <a:latin typeface="+mn-lt"/>
+                <a:ea typeface="+mn-ea"/>
+                <a:cs typeface="+mn-cs"/>
+              </a:rPr>
+              <a:t>thông</a:t>
+            </a:r>
+            <a:r>
+              <a:rPr lang="en-US" sz="1200" kern="1200" dirty="0" smtClean="0">
+                <a:solidFill>
+                  <a:schemeClr val="tx1"/>
+                </a:solidFill>
+                <a:effectLst/>
+                <a:latin typeface="+mn-lt"/>
+                <a:ea typeface="+mn-ea"/>
+                <a:cs typeface="+mn-cs"/>
+              </a:rPr>
+              <a:t> tin </a:t>
+            </a:r>
+            <a:r>
+              <a:rPr lang="en-US" sz="1200" kern="1200" dirty="0" err="1" smtClean="0">
+                <a:solidFill>
+                  <a:schemeClr val="tx1"/>
+                </a:solidFill>
+                <a:effectLst/>
+                <a:latin typeface="+mn-lt"/>
+                <a:ea typeface="+mn-ea"/>
+                <a:cs typeface="+mn-cs"/>
+              </a:rPr>
+              <a:t>gửi</a:t>
+            </a:r>
+            <a:r>
+              <a:rPr lang="en-US" sz="1200" kern="1200" dirty="0" smtClean="0">
+                <a:solidFill>
+                  <a:schemeClr val="tx1"/>
+                </a:solidFill>
+                <a:effectLst/>
+                <a:latin typeface="+mn-lt"/>
+                <a:ea typeface="+mn-ea"/>
+                <a:cs typeface="+mn-cs"/>
+              </a:rPr>
+              <a:t> </a:t>
+            </a:r>
+            <a:r>
+              <a:rPr lang="en-US" sz="1200" kern="1200" dirty="0" err="1" smtClean="0">
+                <a:solidFill>
+                  <a:schemeClr val="tx1"/>
+                </a:solidFill>
+                <a:effectLst/>
+                <a:latin typeface="+mn-lt"/>
+                <a:ea typeface="+mn-ea"/>
+                <a:cs typeface="+mn-cs"/>
+              </a:rPr>
+              <a:t>xuống</a:t>
+            </a:r>
+            <a:r>
+              <a:rPr lang="en-US" sz="1200" kern="1200" dirty="0" smtClean="0">
+                <a:solidFill>
+                  <a:schemeClr val="tx1"/>
+                </a:solidFill>
+                <a:effectLst/>
+                <a:latin typeface="+mn-lt"/>
+                <a:ea typeface="+mn-ea"/>
+                <a:cs typeface="+mn-cs"/>
+              </a:rPr>
+              <a:t> </a:t>
+            </a:r>
+            <a:r>
+              <a:rPr lang="en-US" sz="1200" kern="1200" dirty="0" err="1" smtClean="0">
+                <a:solidFill>
+                  <a:schemeClr val="tx1"/>
+                </a:solidFill>
+                <a:effectLst/>
+                <a:latin typeface="+mn-lt"/>
+                <a:ea typeface="+mn-ea"/>
+                <a:cs typeface="+mn-cs"/>
+              </a:rPr>
+              <a:t>cho</a:t>
+            </a:r>
+            <a:r>
+              <a:rPr lang="en-US" sz="1200" kern="1200" dirty="0" smtClean="0">
+                <a:solidFill>
+                  <a:schemeClr val="tx1"/>
+                </a:solidFill>
+                <a:effectLst/>
+                <a:latin typeface="+mn-lt"/>
+                <a:ea typeface="+mn-ea"/>
+                <a:cs typeface="+mn-cs"/>
+              </a:rPr>
+              <a:t> UE </a:t>
+            </a:r>
+            <a:r>
+              <a:rPr lang="en-US" sz="1200" kern="1200" dirty="0" err="1" smtClean="0">
+                <a:solidFill>
+                  <a:schemeClr val="tx1"/>
+                </a:solidFill>
+                <a:effectLst/>
+                <a:latin typeface="+mn-lt"/>
+                <a:ea typeface="+mn-ea"/>
+                <a:cs typeface="+mn-cs"/>
+              </a:rPr>
+              <a:t>bản</a:t>
+            </a:r>
+            <a:r>
+              <a:rPr lang="en-US" sz="1200" kern="1200" dirty="0" smtClean="0">
+                <a:solidFill>
+                  <a:schemeClr val="tx1"/>
+                </a:solidFill>
+                <a:effectLst/>
+                <a:latin typeface="+mn-lt"/>
+                <a:ea typeface="+mn-ea"/>
+                <a:cs typeface="+mn-cs"/>
+              </a:rPr>
+              <a:t> tin </a:t>
+            </a:r>
+            <a:r>
+              <a:rPr lang="en-US" sz="1200" b="1" kern="1200" dirty="0" smtClean="0">
+                <a:solidFill>
+                  <a:schemeClr val="tx1"/>
+                </a:solidFill>
+                <a:effectLst/>
+                <a:latin typeface="+mn-lt"/>
+                <a:ea typeface="+mn-ea"/>
+                <a:cs typeface="+mn-cs"/>
+              </a:rPr>
+              <a:t>RRC_UE_CONNECTION_RESPONSE</a:t>
+            </a:r>
+            <a:r>
+              <a:rPr lang="en-US" sz="1200" kern="1200" dirty="0" smtClean="0">
+                <a:solidFill>
+                  <a:schemeClr val="tx1"/>
+                </a:solidFill>
+                <a:effectLst/>
+                <a:latin typeface="+mn-lt"/>
+                <a:ea typeface="+mn-ea"/>
+                <a:cs typeface="+mn-cs"/>
+              </a:rPr>
+              <a:t>. UE </a:t>
+            </a:r>
+            <a:r>
+              <a:rPr lang="en-US" sz="1200" kern="1200" dirty="0" err="1" smtClean="0">
+                <a:solidFill>
+                  <a:schemeClr val="tx1"/>
+                </a:solidFill>
+                <a:effectLst/>
+                <a:latin typeface="+mn-lt"/>
+                <a:ea typeface="+mn-ea"/>
+                <a:cs typeface="+mn-cs"/>
+              </a:rPr>
+              <a:t>lưu</a:t>
+            </a:r>
+            <a:r>
+              <a:rPr lang="en-US" sz="1200" kern="1200" dirty="0" smtClean="0">
+                <a:solidFill>
+                  <a:schemeClr val="tx1"/>
+                </a:solidFill>
+                <a:effectLst/>
+                <a:latin typeface="+mn-lt"/>
+                <a:ea typeface="+mn-ea"/>
+                <a:cs typeface="+mn-cs"/>
+              </a:rPr>
+              <a:t> </a:t>
+            </a:r>
+            <a:r>
+              <a:rPr lang="en-US" sz="1200" kern="1200" dirty="0" err="1" smtClean="0">
+                <a:solidFill>
+                  <a:schemeClr val="tx1"/>
+                </a:solidFill>
+                <a:effectLst/>
+                <a:latin typeface="+mn-lt"/>
+                <a:ea typeface="+mn-ea"/>
+                <a:cs typeface="+mn-cs"/>
+              </a:rPr>
+              <a:t>lại</a:t>
+            </a:r>
+            <a:r>
+              <a:rPr lang="en-US" sz="1200" kern="1200" dirty="0" smtClean="0">
+                <a:solidFill>
+                  <a:schemeClr val="tx1"/>
+                </a:solidFill>
+                <a:effectLst/>
+                <a:latin typeface="+mn-lt"/>
+                <a:ea typeface="+mn-ea"/>
+                <a:cs typeface="+mn-cs"/>
+              </a:rPr>
+              <a:t> 5G-STMSI </a:t>
+            </a:r>
+            <a:r>
+              <a:rPr lang="en-US" sz="1200" kern="1200" dirty="0" err="1" smtClean="0">
+                <a:solidFill>
+                  <a:schemeClr val="tx1"/>
+                </a:solidFill>
+                <a:effectLst/>
+                <a:latin typeface="+mn-lt"/>
+                <a:ea typeface="+mn-ea"/>
+                <a:cs typeface="+mn-cs"/>
+              </a:rPr>
+              <a:t>và</a:t>
+            </a:r>
+            <a:r>
+              <a:rPr lang="en-US" sz="1200" kern="1200" dirty="0" smtClean="0">
+                <a:solidFill>
+                  <a:schemeClr val="tx1"/>
+                </a:solidFill>
+                <a:effectLst/>
+                <a:latin typeface="+mn-lt"/>
+                <a:ea typeface="+mn-ea"/>
+                <a:cs typeface="+mn-cs"/>
+              </a:rPr>
+              <a:t> </a:t>
+            </a:r>
+            <a:r>
+              <a:rPr lang="en-US" sz="1200" kern="1200" dirty="0" err="1" smtClean="0">
+                <a:solidFill>
+                  <a:schemeClr val="tx1"/>
+                </a:solidFill>
+                <a:effectLst/>
+                <a:latin typeface="+mn-lt"/>
+                <a:ea typeface="+mn-ea"/>
+                <a:cs typeface="+mn-cs"/>
+              </a:rPr>
+              <a:t>chuyển</a:t>
+            </a:r>
+            <a:r>
+              <a:rPr lang="en-US" sz="1200" kern="1200" dirty="0" smtClean="0">
+                <a:solidFill>
+                  <a:schemeClr val="tx1"/>
+                </a:solidFill>
+                <a:effectLst/>
+                <a:latin typeface="+mn-lt"/>
+                <a:ea typeface="+mn-ea"/>
+                <a:cs typeface="+mn-cs"/>
+              </a:rPr>
+              <a:t> sang </a:t>
+            </a:r>
+            <a:r>
+              <a:rPr lang="en-US" sz="1200" kern="1200" dirty="0" err="1" smtClean="0">
+                <a:solidFill>
+                  <a:schemeClr val="tx1"/>
+                </a:solidFill>
+                <a:effectLst/>
+                <a:latin typeface="+mn-lt"/>
+                <a:ea typeface="+mn-ea"/>
+                <a:cs typeface="+mn-cs"/>
+              </a:rPr>
+              <a:t>trạng</a:t>
+            </a:r>
+            <a:r>
+              <a:rPr lang="en-US" sz="1200" kern="1200" dirty="0" smtClean="0">
+                <a:solidFill>
+                  <a:schemeClr val="tx1"/>
+                </a:solidFill>
+                <a:effectLst/>
+                <a:latin typeface="+mn-lt"/>
+                <a:ea typeface="+mn-ea"/>
+                <a:cs typeface="+mn-cs"/>
+              </a:rPr>
+              <a:t> </a:t>
+            </a:r>
+            <a:r>
+              <a:rPr lang="en-US" sz="1200" kern="1200" dirty="0" err="1" smtClean="0">
+                <a:solidFill>
+                  <a:schemeClr val="tx1"/>
+                </a:solidFill>
+                <a:effectLst/>
+                <a:latin typeface="+mn-lt"/>
+                <a:ea typeface="+mn-ea"/>
+                <a:cs typeface="+mn-cs"/>
+              </a:rPr>
+              <a:t>thái</a:t>
+            </a:r>
+            <a:r>
+              <a:rPr lang="en-US" sz="1200" kern="1200" dirty="0" smtClean="0">
+                <a:solidFill>
+                  <a:schemeClr val="tx1"/>
+                </a:solidFill>
+                <a:effectLst/>
+                <a:latin typeface="+mn-lt"/>
+                <a:ea typeface="+mn-ea"/>
+                <a:cs typeface="+mn-cs"/>
+              </a:rPr>
+              <a:t> </a:t>
+            </a:r>
+            <a:r>
+              <a:rPr lang="en-US" sz="1200" b="1" i="1" kern="1200" dirty="0" smtClean="0">
+                <a:solidFill>
+                  <a:schemeClr val="tx1"/>
+                </a:solidFill>
+                <a:effectLst/>
+                <a:latin typeface="+mn-lt"/>
+                <a:ea typeface="+mn-ea"/>
+                <a:cs typeface="+mn-cs"/>
+              </a:rPr>
+              <a:t>UE_REGISTERED</a:t>
+            </a:r>
+            <a:r>
+              <a:rPr lang="en-US" sz="1200" kern="1200" dirty="0" smtClean="0">
+                <a:solidFill>
+                  <a:schemeClr val="tx1"/>
+                </a:solidFill>
+                <a:effectLst/>
+                <a:latin typeface="+mn-lt"/>
+                <a:ea typeface="+mn-ea"/>
+                <a:cs typeface="+mn-cs"/>
+              </a:rPr>
+              <a:t>. </a:t>
+            </a:r>
+            <a:r>
+              <a:rPr lang="en-US" sz="1200" kern="1200" dirty="0" err="1" smtClean="0">
+                <a:solidFill>
+                  <a:schemeClr val="tx1"/>
+                </a:solidFill>
+                <a:effectLst/>
+                <a:latin typeface="+mn-lt"/>
+                <a:ea typeface="+mn-ea"/>
+                <a:cs typeface="+mn-cs"/>
+              </a:rPr>
+              <a:t>Sau</a:t>
+            </a:r>
+            <a:r>
+              <a:rPr lang="en-US" sz="1200" kern="1200" dirty="0" smtClean="0">
+                <a:solidFill>
+                  <a:schemeClr val="tx1"/>
+                </a:solidFill>
+                <a:effectLst/>
+                <a:latin typeface="+mn-lt"/>
+                <a:ea typeface="+mn-ea"/>
+                <a:cs typeface="+mn-cs"/>
+              </a:rPr>
+              <a:t> </a:t>
+            </a:r>
+            <a:r>
+              <a:rPr lang="en-US" sz="1200" kern="1200" dirty="0" err="1" smtClean="0">
+                <a:solidFill>
+                  <a:schemeClr val="tx1"/>
+                </a:solidFill>
+                <a:effectLst/>
+                <a:latin typeface="+mn-lt"/>
+                <a:ea typeface="+mn-ea"/>
+                <a:cs typeface="+mn-cs"/>
+              </a:rPr>
+              <a:t>khi</a:t>
+            </a:r>
+            <a:r>
+              <a:rPr lang="en-US" sz="1200" kern="1200" dirty="0" smtClean="0">
+                <a:solidFill>
+                  <a:schemeClr val="tx1"/>
+                </a:solidFill>
+                <a:effectLst/>
+                <a:latin typeface="+mn-lt"/>
+                <a:ea typeface="+mn-ea"/>
+                <a:cs typeface="+mn-cs"/>
+              </a:rPr>
+              <a:t> UE </a:t>
+            </a:r>
+            <a:r>
+              <a:rPr lang="en-US" sz="1200" kern="1200" dirty="0" err="1" smtClean="0">
+                <a:solidFill>
+                  <a:schemeClr val="tx1"/>
+                </a:solidFill>
+                <a:effectLst/>
+                <a:latin typeface="+mn-lt"/>
+                <a:ea typeface="+mn-ea"/>
+                <a:cs typeface="+mn-cs"/>
+              </a:rPr>
+              <a:t>truy</a:t>
+            </a:r>
+            <a:r>
+              <a:rPr lang="en-US" sz="1200" kern="1200" dirty="0" smtClean="0">
+                <a:solidFill>
+                  <a:schemeClr val="tx1"/>
+                </a:solidFill>
+                <a:effectLst/>
+                <a:latin typeface="+mn-lt"/>
+                <a:ea typeface="+mn-ea"/>
+                <a:cs typeface="+mn-cs"/>
+              </a:rPr>
+              <a:t> </a:t>
+            </a:r>
+            <a:r>
+              <a:rPr lang="en-US" sz="1200" kern="1200" dirty="0" err="1" smtClean="0">
+                <a:solidFill>
+                  <a:schemeClr val="tx1"/>
+                </a:solidFill>
+                <a:effectLst/>
+                <a:latin typeface="+mn-lt"/>
+                <a:ea typeface="+mn-ea"/>
+                <a:cs typeface="+mn-cs"/>
+              </a:rPr>
+              <a:t>cập</a:t>
+            </a:r>
+            <a:r>
+              <a:rPr lang="en-US" sz="1200" kern="1200" dirty="0" smtClean="0">
+                <a:solidFill>
+                  <a:schemeClr val="tx1"/>
+                </a:solidFill>
+                <a:effectLst/>
+                <a:latin typeface="+mn-lt"/>
+                <a:ea typeface="+mn-ea"/>
+                <a:cs typeface="+mn-cs"/>
+              </a:rPr>
+              <a:t> </a:t>
+            </a:r>
+            <a:r>
+              <a:rPr lang="en-US" sz="1200" kern="1200" dirty="0" err="1" smtClean="0">
+                <a:solidFill>
+                  <a:schemeClr val="tx1"/>
+                </a:solidFill>
+                <a:effectLst/>
+                <a:latin typeface="+mn-lt"/>
+                <a:ea typeface="+mn-ea"/>
+                <a:cs typeface="+mn-cs"/>
+              </a:rPr>
+              <a:t>thành</a:t>
+            </a:r>
+            <a:r>
+              <a:rPr lang="en-US" sz="1200" kern="1200" dirty="0" smtClean="0">
+                <a:solidFill>
+                  <a:schemeClr val="tx1"/>
+                </a:solidFill>
+                <a:effectLst/>
+                <a:latin typeface="+mn-lt"/>
+                <a:ea typeface="+mn-ea"/>
+                <a:cs typeface="+mn-cs"/>
+              </a:rPr>
+              <a:t> </a:t>
+            </a:r>
+            <a:r>
+              <a:rPr lang="en-US" sz="1200" kern="1200" dirty="0" err="1" smtClean="0">
+                <a:solidFill>
+                  <a:schemeClr val="tx1"/>
+                </a:solidFill>
+                <a:effectLst/>
+                <a:latin typeface="+mn-lt"/>
+                <a:ea typeface="+mn-ea"/>
+                <a:cs typeface="+mn-cs"/>
+              </a:rPr>
+              <a:t>công</a:t>
+            </a:r>
+            <a:r>
+              <a:rPr lang="en-US" sz="1200" kern="1200" dirty="0" smtClean="0">
+                <a:solidFill>
+                  <a:schemeClr val="tx1"/>
+                </a:solidFill>
+                <a:effectLst/>
+                <a:latin typeface="+mn-lt"/>
+                <a:ea typeface="+mn-ea"/>
+                <a:cs typeface="+mn-cs"/>
+              </a:rPr>
+              <a:t> </a:t>
+            </a:r>
+            <a:r>
+              <a:rPr lang="en-US" sz="1200" kern="1200" dirty="0" err="1" smtClean="0">
+                <a:solidFill>
+                  <a:schemeClr val="tx1"/>
+                </a:solidFill>
+                <a:effectLst/>
+                <a:latin typeface="+mn-lt"/>
+                <a:ea typeface="+mn-ea"/>
+                <a:cs typeface="+mn-cs"/>
+              </a:rPr>
+              <a:t>sau</a:t>
+            </a:r>
+            <a:r>
+              <a:rPr lang="en-US" sz="1200" kern="1200" dirty="0" smtClean="0">
+                <a:solidFill>
+                  <a:schemeClr val="tx1"/>
+                </a:solidFill>
+                <a:effectLst/>
+                <a:latin typeface="+mn-lt"/>
+                <a:ea typeface="+mn-ea"/>
+                <a:cs typeface="+mn-cs"/>
+              </a:rPr>
+              <a:t> x(</a:t>
+            </a:r>
+            <a:r>
+              <a:rPr lang="en-US" sz="1200" kern="1200" dirty="0" err="1" smtClean="0">
+                <a:solidFill>
+                  <a:schemeClr val="tx1"/>
+                </a:solidFill>
+                <a:effectLst/>
+                <a:latin typeface="+mn-lt"/>
+                <a:ea typeface="+mn-ea"/>
+                <a:cs typeface="+mn-cs"/>
+              </a:rPr>
+              <a:t>ms</a:t>
+            </a:r>
+            <a:r>
+              <a:rPr lang="en-US" sz="1200" kern="1200" dirty="0" smtClean="0">
+                <a:solidFill>
+                  <a:schemeClr val="tx1"/>
+                </a:solidFill>
+                <a:effectLst/>
+                <a:latin typeface="+mn-lt"/>
+                <a:ea typeface="+mn-ea"/>
+                <a:cs typeface="+mn-cs"/>
+              </a:rPr>
+              <a:t>) </a:t>
+            </a:r>
+            <a:r>
+              <a:rPr lang="en-US" sz="1200" kern="1200" dirty="0" err="1" smtClean="0">
+                <a:solidFill>
+                  <a:schemeClr val="tx1"/>
+                </a:solidFill>
+                <a:effectLst/>
+                <a:latin typeface="+mn-lt"/>
+                <a:ea typeface="+mn-ea"/>
+                <a:cs typeface="+mn-cs"/>
+              </a:rPr>
+              <a:t>thì</a:t>
+            </a:r>
+            <a:r>
+              <a:rPr lang="en-US" sz="1200" kern="1200" dirty="0" smtClean="0">
+                <a:solidFill>
+                  <a:schemeClr val="tx1"/>
+                </a:solidFill>
+                <a:effectLst/>
+                <a:latin typeface="+mn-lt"/>
+                <a:ea typeface="+mn-ea"/>
+                <a:cs typeface="+mn-cs"/>
+              </a:rPr>
+              <a:t> UE </a:t>
+            </a:r>
+            <a:r>
+              <a:rPr lang="en-US" sz="1200" kern="1200" dirty="0" err="1" smtClean="0">
+                <a:solidFill>
+                  <a:schemeClr val="tx1"/>
+                </a:solidFill>
+                <a:effectLst/>
+                <a:latin typeface="+mn-lt"/>
+                <a:ea typeface="+mn-ea"/>
+                <a:cs typeface="+mn-cs"/>
+              </a:rPr>
+              <a:t>trở</a:t>
+            </a:r>
+            <a:r>
+              <a:rPr lang="en-US" sz="1200" kern="1200" dirty="0" smtClean="0">
+                <a:solidFill>
+                  <a:schemeClr val="tx1"/>
+                </a:solidFill>
+                <a:effectLst/>
+                <a:latin typeface="+mn-lt"/>
+                <a:ea typeface="+mn-ea"/>
+                <a:cs typeface="+mn-cs"/>
+              </a:rPr>
+              <a:t> </a:t>
+            </a:r>
+            <a:r>
+              <a:rPr lang="en-US" sz="1200" kern="1200" dirty="0" err="1" smtClean="0">
+                <a:solidFill>
+                  <a:schemeClr val="tx1"/>
+                </a:solidFill>
+                <a:effectLst/>
+                <a:latin typeface="+mn-lt"/>
+                <a:ea typeface="+mn-ea"/>
+                <a:cs typeface="+mn-cs"/>
+              </a:rPr>
+              <a:t>về</a:t>
+            </a:r>
+            <a:r>
+              <a:rPr lang="en-US" sz="1200" kern="1200" dirty="0" smtClean="0">
+                <a:solidFill>
+                  <a:schemeClr val="tx1"/>
+                </a:solidFill>
+                <a:effectLst/>
+                <a:latin typeface="+mn-lt"/>
+                <a:ea typeface="+mn-ea"/>
+                <a:cs typeface="+mn-cs"/>
+              </a:rPr>
+              <a:t> </a:t>
+            </a:r>
+            <a:r>
+              <a:rPr lang="en-US" sz="1200" kern="1200" dirty="0" err="1" smtClean="0">
+                <a:solidFill>
+                  <a:schemeClr val="tx1"/>
+                </a:solidFill>
+                <a:effectLst/>
+                <a:latin typeface="+mn-lt"/>
+                <a:ea typeface="+mn-ea"/>
+                <a:cs typeface="+mn-cs"/>
+              </a:rPr>
+              <a:t>trạng</a:t>
+            </a:r>
+            <a:r>
+              <a:rPr lang="en-US" sz="1200" kern="1200" dirty="0" smtClean="0">
+                <a:solidFill>
+                  <a:schemeClr val="tx1"/>
+                </a:solidFill>
+                <a:effectLst/>
+                <a:latin typeface="+mn-lt"/>
+                <a:ea typeface="+mn-ea"/>
+                <a:cs typeface="+mn-cs"/>
+              </a:rPr>
+              <a:t> </a:t>
+            </a:r>
+            <a:r>
+              <a:rPr lang="en-US" sz="1200" kern="1200" dirty="0" err="1" smtClean="0">
+                <a:solidFill>
+                  <a:schemeClr val="tx1"/>
+                </a:solidFill>
+                <a:effectLst/>
+                <a:latin typeface="+mn-lt"/>
+                <a:ea typeface="+mn-ea"/>
+                <a:cs typeface="+mn-cs"/>
+              </a:rPr>
+              <a:t>thái</a:t>
+            </a:r>
+            <a:r>
+              <a:rPr lang="en-US" sz="1200" kern="1200" dirty="0" smtClean="0">
+                <a:solidFill>
+                  <a:schemeClr val="tx1"/>
+                </a:solidFill>
+                <a:effectLst/>
+                <a:latin typeface="+mn-lt"/>
+                <a:ea typeface="+mn-ea"/>
+                <a:cs typeface="+mn-cs"/>
+              </a:rPr>
+              <a:t> </a:t>
+            </a:r>
+            <a:r>
+              <a:rPr lang="en-US" sz="1200" b="1" i="1" kern="1200" dirty="0" smtClean="0">
+                <a:solidFill>
+                  <a:schemeClr val="tx1"/>
+                </a:solidFill>
+                <a:effectLst/>
+                <a:latin typeface="+mn-lt"/>
+                <a:ea typeface="+mn-ea"/>
+                <a:cs typeface="+mn-cs"/>
+              </a:rPr>
+              <a:t>UE_IDLE</a:t>
+            </a:r>
+            <a:r>
+              <a:rPr lang="en-US" sz="1200" kern="1200" dirty="0" smtClean="0">
+                <a:solidFill>
+                  <a:schemeClr val="tx1"/>
+                </a:solidFill>
+                <a:effectLst/>
+                <a:latin typeface="+mn-lt"/>
+                <a:ea typeface="+mn-ea"/>
+                <a:cs typeface="+mn-cs"/>
+              </a:rPr>
+              <a:t> </a:t>
+            </a:r>
+            <a:r>
+              <a:rPr lang="en-US" sz="1200" kern="1200" dirty="0" err="1" smtClean="0">
+                <a:solidFill>
+                  <a:schemeClr val="tx1"/>
+                </a:solidFill>
+                <a:effectLst/>
+                <a:latin typeface="+mn-lt"/>
+                <a:ea typeface="+mn-ea"/>
+                <a:cs typeface="+mn-cs"/>
+              </a:rPr>
+              <a:t>và</a:t>
+            </a:r>
+            <a:r>
+              <a:rPr lang="en-US" sz="1200" kern="1200" dirty="0" smtClean="0">
+                <a:solidFill>
+                  <a:schemeClr val="tx1"/>
+                </a:solidFill>
+                <a:effectLst/>
+                <a:latin typeface="+mn-lt"/>
+                <a:ea typeface="+mn-ea"/>
+                <a:cs typeface="+mn-cs"/>
+              </a:rPr>
+              <a:t> </a:t>
+            </a:r>
+            <a:r>
+              <a:rPr lang="en-US" sz="1200" kern="1200" dirty="0" err="1" smtClean="0">
+                <a:solidFill>
+                  <a:schemeClr val="tx1"/>
+                </a:solidFill>
+                <a:effectLst/>
+                <a:latin typeface="+mn-lt"/>
+                <a:ea typeface="+mn-ea"/>
+                <a:cs typeface="+mn-cs"/>
+              </a:rPr>
+              <a:t>sau</a:t>
+            </a:r>
+            <a:r>
+              <a:rPr lang="en-US" sz="1200" kern="1200" dirty="0" smtClean="0">
+                <a:solidFill>
+                  <a:schemeClr val="tx1"/>
+                </a:solidFill>
+                <a:effectLst/>
+                <a:latin typeface="+mn-lt"/>
+                <a:ea typeface="+mn-ea"/>
+                <a:cs typeface="+mn-cs"/>
+              </a:rPr>
+              <a:t> y(</a:t>
+            </a:r>
+            <a:r>
+              <a:rPr lang="en-US" sz="1200" kern="1200" dirty="0" err="1" smtClean="0">
+                <a:solidFill>
+                  <a:schemeClr val="tx1"/>
+                </a:solidFill>
+                <a:effectLst/>
+                <a:latin typeface="+mn-lt"/>
+                <a:ea typeface="+mn-ea"/>
+                <a:cs typeface="+mn-cs"/>
+              </a:rPr>
+              <a:t>ms</a:t>
+            </a:r>
+            <a:r>
+              <a:rPr lang="en-US" sz="1200" kern="1200" dirty="0" smtClean="0">
+                <a:solidFill>
+                  <a:schemeClr val="tx1"/>
+                </a:solidFill>
+                <a:effectLst/>
+                <a:latin typeface="+mn-lt"/>
+                <a:ea typeface="+mn-ea"/>
+                <a:cs typeface="+mn-cs"/>
+              </a:rPr>
+              <a:t>) </a:t>
+            </a:r>
+            <a:r>
+              <a:rPr lang="en-US" sz="1200" kern="1200" dirty="0" err="1" smtClean="0">
+                <a:solidFill>
+                  <a:schemeClr val="tx1"/>
+                </a:solidFill>
+                <a:effectLst/>
+                <a:latin typeface="+mn-lt"/>
+                <a:ea typeface="+mn-ea"/>
+                <a:cs typeface="+mn-cs"/>
+              </a:rPr>
+              <a:t>kể</a:t>
+            </a:r>
+            <a:r>
+              <a:rPr lang="en-US" sz="1200" kern="1200" dirty="0" smtClean="0">
+                <a:solidFill>
+                  <a:schemeClr val="tx1"/>
+                </a:solidFill>
+                <a:effectLst/>
+                <a:latin typeface="+mn-lt"/>
+                <a:ea typeface="+mn-ea"/>
+                <a:cs typeface="+mn-cs"/>
+              </a:rPr>
+              <a:t> </a:t>
+            </a:r>
+            <a:r>
+              <a:rPr lang="en-US" sz="1200" kern="1200" dirty="0" err="1" smtClean="0">
+                <a:solidFill>
+                  <a:schemeClr val="tx1"/>
+                </a:solidFill>
+                <a:effectLst/>
+                <a:latin typeface="+mn-lt"/>
+                <a:ea typeface="+mn-ea"/>
+                <a:cs typeface="+mn-cs"/>
+              </a:rPr>
+              <a:t>từ</a:t>
+            </a:r>
+            <a:r>
+              <a:rPr lang="en-US" sz="1200" kern="1200" dirty="0" smtClean="0">
+                <a:solidFill>
+                  <a:schemeClr val="tx1"/>
+                </a:solidFill>
+                <a:effectLst/>
+                <a:latin typeface="+mn-lt"/>
+                <a:ea typeface="+mn-ea"/>
+                <a:cs typeface="+mn-cs"/>
+              </a:rPr>
+              <a:t> </a:t>
+            </a:r>
+            <a:r>
+              <a:rPr lang="en-US" sz="1200" kern="1200" dirty="0" err="1" smtClean="0">
+                <a:solidFill>
+                  <a:schemeClr val="tx1"/>
+                </a:solidFill>
+                <a:effectLst/>
+                <a:latin typeface="+mn-lt"/>
+                <a:ea typeface="+mn-ea"/>
+                <a:cs typeface="+mn-cs"/>
+              </a:rPr>
+              <a:t>lúc</a:t>
+            </a:r>
+            <a:r>
+              <a:rPr lang="en-US" sz="1200" kern="1200" dirty="0" smtClean="0">
+                <a:solidFill>
+                  <a:schemeClr val="tx1"/>
+                </a:solidFill>
+                <a:effectLst/>
+                <a:latin typeface="+mn-lt"/>
+                <a:ea typeface="+mn-ea"/>
+                <a:cs typeface="+mn-cs"/>
+              </a:rPr>
+              <a:t> UE attach </a:t>
+            </a:r>
+            <a:r>
+              <a:rPr lang="en-US" sz="1200" kern="1200" dirty="0" err="1" smtClean="0">
+                <a:solidFill>
+                  <a:schemeClr val="tx1"/>
+                </a:solidFill>
+                <a:effectLst/>
+                <a:latin typeface="+mn-lt"/>
+                <a:ea typeface="+mn-ea"/>
+                <a:cs typeface="+mn-cs"/>
+              </a:rPr>
+              <a:t>thì</a:t>
+            </a:r>
+            <a:r>
+              <a:rPr lang="en-US" sz="1200" kern="1200" dirty="0" smtClean="0">
+                <a:solidFill>
+                  <a:schemeClr val="tx1"/>
+                </a:solidFill>
+                <a:effectLst/>
+                <a:latin typeface="+mn-lt"/>
+                <a:ea typeface="+mn-ea"/>
+                <a:cs typeface="+mn-cs"/>
+              </a:rPr>
+              <a:t> AMF </a:t>
+            </a:r>
+            <a:r>
+              <a:rPr lang="en-US" sz="1200" kern="1200" dirty="0" err="1" smtClean="0">
+                <a:solidFill>
+                  <a:schemeClr val="tx1"/>
+                </a:solidFill>
+                <a:effectLst/>
+                <a:latin typeface="+mn-lt"/>
+                <a:ea typeface="+mn-ea"/>
+                <a:cs typeface="+mn-cs"/>
+              </a:rPr>
+              <a:t>gửi</a:t>
+            </a:r>
+            <a:r>
+              <a:rPr lang="en-US" sz="1200" kern="1200" dirty="0" smtClean="0">
+                <a:solidFill>
+                  <a:schemeClr val="tx1"/>
+                </a:solidFill>
+                <a:effectLst/>
+                <a:latin typeface="+mn-lt"/>
+                <a:ea typeface="+mn-ea"/>
+                <a:cs typeface="+mn-cs"/>
+              </a:rPr>
+              <a:t> </a:t>
+            </a:r>
+            <a:r>
+              <a:rPr lang="en-US" sz="1200" kern="1200" dirty="0" err="1" smtClean="0">
+                <a:solidFill>
+                  <a:schemeClr val="tx1"/>
+                </a:solidFill>
+                <a:effectLst/>
+                <a:latin typeface="+mn-lt"/>
+                <a:ea typeface="+mn-ea"/>
+                <a:cs typeface="+mn-cs"/>
+              </a:rPr>
+              <a:t>bản</a:t>
+            </a:r>
+            <a:r>
+              <a:rPr lang="en-US" sz="1200" kern="1200" dirty="0" smtClean="0">
+                <a:solidFill>
+                  <a:schemeClr val="tx1"/>
+                </a:solidFill>
+                <a:effectLst/>
+                <a:latin typeface="+mn-lt"/>
+                <a:ea typeface="+mn-ea"/>
+                <a:cs typeface="+mn-cs"/>
+              </a:rPr>
+              <a:t> tin </a:t>
+            </a:r>
+            <a:r>
+              <a:rPr lang="en-US" sz="1200" b="1" kern="1200" dirty="0" smtClean="0">
+                <a:solidFill>
+                  <a:schemeClr val="tx1"/>
+                </a:solidFill>
+                <a:effectLst/>
+                <a:latin typeface="+mn-lt"/>
+                <a:ea typeface="+mn-ea"/>
+                <a:cs typeface="+mn-cs"/>
+              </a:rPr>
+              <a:t>NGAP_RRC_PAGING_IND</a:t>
+            </a:r>
+            <a:r>
+              <a:rPr lang="en-US" sz="1200" kern="1200" dirty="0" smtClean="0">
+                <a:solidFill>
+                  <a:schemeClr val="tx1"/>
+                </a:solidFill>
+                <a:effectLst/>
+                <a:latin typeface="+mn-lt"/>
+                <a:ea typeface="+mn-ea"/>
+                <a:cs typeface="+mn-cs"/>
+              </a:rPr>
+              <a:t> </a:t>
+            </a:r>
+            <a:r>
+              <a:rPr lang="en-US" sz="1200" kern="1200" dirty="0" err="1" smtClean="0">
+                <a:solidFill>
+                  <a:schemeClr val="tx1"/>
+                </a:solidFill>
+                <a:effectLst/>
+                <a:latin typeface="+mn-lt"/>
+                <a:ea typeface="+mn-ea"/>
+                <a:cs typeface="+mn-cs"/>
+              </a:rPr>
+              <a:t>xuống</a:t>
+            </a:r>
+            <a:r>
+              <a:rPr lang="en-US" sz="1200" kern="1200" dirty="0" smtClean="0">
+                <a:solidFill>
+                  <a:schemeClr val="tx1"/>
+                </a:solidFill>
+                <a:effectLst/>
+                <a:latin typeface="+mn-lt"/>
+                <a:ea typeface="+mn-ea"/>
+                <a:cs typeface="+mn-cs"/>
+              </a:rPr>
+              <a:t> </a:t>
+            </a:r>
+            <a:r>
+              <a:rPr lang="en-US" sz="1200" kern="1200" dirty="0" err="1" smtClean="0">
+                <a:solidFill>
+                  <a:schemeClr val="tx1"/>
+                </a:solidFill>
+                <a:effectLst/>
+                <a:latin typeface="+mn-lt"/>
+                <a:ea typeface="+mn-ea"/>
+                <a:cs typeface="+mn-cs"/>
+              </a:rPr>
+              <a:t>cho</a:t>
+            </a:r>
+            <a:r>
+              <a:rPr lang="en-US" sz="1200" kern="1200" dirty="0" smtClean="0">
+                <a:solidFill>
+                  <a:schemeClr val="tx1"/>
+                </a:solidFill>
+                <a:effectLst/>
+                <a:latin typeface="+mn-lt"/>
+                <a:ea typeface="+mn-ea"/>
+                <a:cs typeface="+mn-cs"/>
+              </a:rPr>
+              <a:t> </a:t>
+            </a:r>
+            <a:r>
+              <a:rPr lang="en-US" sz="1200" kern="1200" dirty="0" err="1" smtClean="0">
+                <a:solidFill>
+                  <a:schemeClr val="tx1"/>
+                </a:solidFill>
+                <a:effectLst/>
+                <a:latin typeface="+mn-lt"/>
+                <a:ea typeface="+mn-ea"/>
+                <a:cs typeface="+mn-cs"/>
+              </a:rPr>
+              <a:t>gNB</a:t>
+            </a:r>
+            <a:r>
+              <a:rPr lang="en-US" sz="1200" kern="1200" dirty="0" smtClean="0">
+                <a:solidFill>
+                  <a:schemeClr val="tx1"/>
+                </a:solidFill>
+                <a:effectLst/>
+                <a:latin typeface="+mn-lt"/>
+                <a:ea typeface="+mn-ea"/>
+                <a:cs typeface="+mn-cs"/>
+              </a:rPr>
+              <a:t>. </a:t>
+            </a:r>
+            <a:r>
+              <a:rPr lang="en-US" sz="1200" kern="1200" dirty="0" err="1" smtClean="0">
+                <a:solidFill>
+                  <a:schemeClr val="tx1"/>
+                </a:solidFill>
+                <a:effectLst/>
+                <a:latin typeface="+mn-lt"/>
+                <a:ea typeface="+mn-ea"/>
+                <a:cs typeface="+mn-cs"/>
+              </a:rPr>
+              <a:t>gNB</a:t>
+            </a:r>
+            <a:r>
+              <a:rPr lang="en-US" sz="1200" kern="1200" dirty="0" smtClean="0">
+                <a:solidFill>
+                  <a:schemeClr val="tx1"/>
+                </a:solidFill>
+                <a:effectLst/>
+                <a:latin typeface="+mn-lt"/>
+                <a:ea typeface="+mn-ea"/>
+                <a:cs typeface="+mn-cs"/>
+              </a:rPr>
+              <a:t> </a:t>
+            </a:r>
+            <a:r>
+              <a:rPr lang="en-US" sz="1200" kern="1200" dirty="0" err="1" smtClean="0">
+                <a:solidFill>
+                  <a:schemeClr val="tx1"/>
+                </a:solidFill>
+                <a:effectLst/>
+                <a:latin typeface="+mn-lt"/>
+                <a:ea typeface="+mn-ea"/>
+                <a:cs typeface="+mn-cs"/>
+              </a:rPr>
+              <a:t>gửi</a:t>
+            </a:r>
+            <a:r>
+              <a:rPr lang="en-US" sz="1200" kern="1200" dirty="0" smtClean="0">
+                <a:solidFill>
+                  <a:schemeClr val="tx1"/>
+                </a:solidFill>
+                <a:effectLst/>
+                <a:latin typeface="+mn-lt"/>
+                <a:ea typeface="+mn-ea"/>
+                <a:cs typeface="+mn-cs"/>
+              </a:rPr>
+              <a:t> </a:t>
+            </a:r>
+            <a:r>
+              <a:rPr lang="en-US" sz="1200" kern="1200" dirty="0" err="1" smtClean="0">
+                <a:solidFill>
+                  <a:schemeClr val="tx1"/>
+                </a:solidFill>
+                <a:effectLst/>
+                <a:latin typeface="+mn-lt"/>
+                <a:ea typeface="+mn-ea"/>
+                <a:cs typeface="+mn-cs"/>
+              </a:rPr>
+              <a:t>bản</a:t>
+            </a:r>
+            <a:r>
+              <a:rPr lang="en-US" sz="1200" kern="1200" dirty="0" smtClean="0">
+                <a:solidFill>
+                  <a:schemeClr val="tx1"/>
+                </a:solidFill>
+                <a:effectLst/>
+                <a:latin typeface="+mn-lt"/>
+                <a:ea typeface="+mn-ea"/>
+                <a:cs typeface="+mn-cs"/>
+              </a:rPr>
+              <a:t> tin </a:t>
+            </a:r>
+            <a:r>
+              <a:rPr lang="en-US" sz="1200" b="1" kern="1200" dirty="0" smtClean="0">
+                <a:solidFill>
+                  <a:schemeClr val="tx1"/>
+                </a:solidFill>
+                <a:effectLst/>
+                <a:latin typeface="+mn-lt"/>
+                <a:ea typeface="+mn-ea"/>
+                <a:cs typeface="+mn-cs"/>
+              </a:rPr>
+              <a:t>RRC_UE_PAGING</a:t>
+            </a:r>
+            <a:r>
+              <a:rPr lang="en-US" sz="1200" kern="1200" dirty="0" smtClean="0">
+                <a:solidFill>
+                  <a:schemeClr val="tx1"/>
+                </a:solidFill>
+                <a:effectLst/>
+                <a:latin typeface="+mn-lt"/>
+                <a:ea typeface="+mn-ea"/>
+                <a:cs typeface="+mn-cs"/>
+              </a:rPr>
+              <a:t> </a:t>
+            </a:r>
+            <a:r>
+              <a:rPr lang="en-US" sz="1200" kern="1200" dirty="0" err="1" smtClean="0">
+                <a:solidFill>
+                  <a:schemeClr val="tx1"/>
+                </a:solidFill>
+                <a:effectLst/>
+                <a:latin typeface="+mn-lt"/>
+                <a:ea typeface="+mn-ea"/>
+                <a:cs typeface="+mn-cs"/>
+              </a:rPr>
+              <a:t>xuống</a:t>
+            </a:r>
+            <a:r>
+              <a:rPr lang="en-US" sz="1200" kern="1200" dirty="0" smtClean="0">
+                <a:solidFill>
+                  <a:schemeClr val="tx1"/>
+                </a:solidFill>
+                <a:effectLst/>
+                <a:latin typeface="+mn-lt"/>
+                <a:ea typeface="+mn-ea"/>
+                <a:cs typeface="+mn-cs"/>
+              </a:rPr>
+              <a:t> </a:t>
+            </a:r>
+            <a:r>
+              <a:rPr lang="en-US" sz="1200" kern="1200" dirty="0" err="1" smtClean="0">
+                <a:solidFill>
+                  <a:schemeClr val="tx1"/>
+                </a:solidFill>
+                <a:effectLst/>
+                <a:latin typeface="+mn-lt"/>
+                <a:ea typeface="+mn-ea"/>
+                <a:cs typeface="+mn-cs"/>
+              </a:rPr>
+              <a:t>cho</a:t>
+            </a:r>
+            <a:r>
+              <a:rPr lang="en-US" sz="1200" kern="1200" dirty="0" smtClean="0">
+                <a:solidFill>
+                  <a:schemeClr val="tx1"/>
+                </a:solidFill>
+                <a:effectLst/>
+                <a:latin typeface="+mn-lt"/>
+                <a:ea typeface="+mn-ea"/>
+                <a:cs typeface="+mn-cs"/>
+              </a:rPr>
+              <a:t> UE </a:t>
+            </a:r>
+            <a:r>
+              <a:rPr lang="en-US" sz="1200" kern="1200" dirty="0" err="1" smtClean="0">
+                <a:solidFill>
+                  <a:schemeClr val="tx1"/>
+                </a:solidFill>
+                <a:effectLst/>
+                <a:latin typeface="+mn-lt"/>
+                <a:ea typeface="+mn-ea"/>
+                <a:cs typeface="+mn-cs"/>
+              </a:rPr>
+              <a:t>và</a:t>
+            </a:r>
+            <a:r>
+              <a:rPr lang="en-US" sz="1200" kern="1200" dirty="0" smtClean="0">
+                <a:solidFill>
+                  <a:schemeClr val="tx1"/>
+                </a:solidFill>
+                <a:effectLst/>
+                <a:latin typeface="+mn-lt"/>
+                <a:ea typeface="+mn-ea"/>
+                <a:cs typeface="+mn-cs"/>
+              </a:rPr>
+              <a:t> </a:t>
+            </a:r>
+            <a:r>
+              <a:rPr lang="en-US" sz="1200" kern="1200" dirty="0" err="1" smtClean="0">
+                <a:solidFill>
+                  <a:schemeClr val="tx1"/>
+                </a:solidFill>
+                <a:effectLst/>
+                <a:latin typeface="+mn-lt"/>
+                <a:ea typeface="+mn-ea"/>
+                <a:cs typeface="+mn-cs"/>
+              </a:rPr>
+              <a:t>khi</a:t>
+            </a:r>
+            <a:r>
+              <a:rPr lang="en-US" sz="1200" kern="1200" dirty="0" smtClean="0">
+                <a:solidFill>
+                  <a:schemeClr val="tx1"/>
+                </a:solidFill>
+                <a:effectLst/>
+                <a:latin typeface="+mn-lt"/>
+                <a:ea typeface="+mn-ea"/>
+                <a:cs typeface="+mn-cs"/>
+              </a:rPr>
+              <a:t> UE </a:t>
+            </a:r>
+            <a:r>
+              <a:rPr lang="en-US" sz="1200" kern="1200" dirty="0" err="1" smtClean="0">
+                <a:solidFill>
+                  <a:schemeClr val="tx1"/>
+                </a:solidFill>
+                <a:effectLst/>
+                <a:latin typeface="+mn-lt"/>
+                <a:ea typeface="+mn-ea"/>
+                <a:cs typeface="+mn-cs"/>
+              </a:rPr>
+              <a:t>nhận</a:t>
+            </a:r>
+            <a:r>
+              <a:rPr lang="en-US" sz="1200" kern="1200" dirty="0" smtClean="0">
+                <a:solidFill>
+                  <a:schemeClr val="tx1"/>
+                </a:solidFill>
+                <a:effectLst/>
+                <a:latin typeface="+mn-lt"/>
+                <a:ea typeface="+mn-ea"/>
+                <a:cs typeface="+mn-cs"/>
+              </a:rPr>
+              <a:t> </a:t>
+            </a:r>
+            <a:r>
+              <a:rPr lang="en-US" sz="1200" kern="1200" dirty="0" err="1" smtClean="0">
+                <a:solidFill>
+                  <a:schemeClr val="tx1"/>
+                </a:solidFill>
+                <a:effectLst/>
+                <a:latin typeface="+mn-lt"/>
+                <a:ea typeface="+mn-ea"/>
+                <a:cs typeface="+mn-cs"/>
+              </a:rPr>
+              <a:t>được</a:t>
+            </a:r>
+            <a:r>
+              <a:rPr lang="en-US" sz="1200" kern="1200" dirty="0" smtClean="0">
+                <a:solidFill>
+                  <a:schemeClr val="tx1"/>
+                </a:solidFill>
+                <a:effectLst/>
+                <a:latin typeface="+mn-lt"/>
+                <a:ea typeface="+mn-ea"/>
+                <a:cs typeface="+mn-cs"/>
+              </a:rPr>
+              <a:t> </a:t>
+            </a:r>
+            <a:r>
+              <a:rPr lang="en-US" sz="1200" kern="1200" dirty="0" err="1" smtClean="0">
+                <a:solidFill>
+                  <a:schemeClr val="tx1"/>
+                </a:solidFill>
+                <a:effectLst/>
+                <a:latin typeface="+mn-lt"/>
+                <a:ea typeface="+mn-ea"/>
+                <a:cs typeface="+mn-cs"/>
+              </a:rPr>
+              <a:t>đúng</a:t>
+            </a:r>
+            <a:r>
+              <a:rPr lang="en-US" sz="1200" kern="1200" dirty="0" smtClean="0">
+                <a:solidFill>
+                  <a:schemeClr val="tx1"/>
+                </a:solidFill>
+                <a:effectLst/>
+                <a:latin typeface="+mn-lt"/>
+                <a:ea typeface="+mn-ea"/>
+                <a:cs typeface="+mn-cs"/>
+              </a:rPr>
+              <a:t> </a:t>
+            </a:r>
+            <a:r>
+              <a:rPr lang="en-US" sz="1200" kern="1200" dirty="0" err="1" smtClean="0">
+                <a:solidFill>
+                  <a:schemeClr val="tx1"/>
+                </a:solidFill>
+                <a:effectLst/>
+                <a:latin typeface="+mn-lt"/>
+                <a:ea typeface="+mn-ea"/>
+                <a:cs typeface="+mn-cs"/>
+              </a:rPr>
+              <a:t>với</a:t>
+            </a:r>
+            <a:r>
+              <a:rPr lang="en-US" sz="1200" kern="1200" dirty="0" smtClean="0">
+                <a:solidFill>
+                  <a:schemeClr val="tx1"/>
+                </a:solidFill>
+                <a:effectLst/>
+                <a:latin typeface="+mn-lt"/>
+                <a:ea typeface="+mn-ea"/>
+                <a:cs typeface="+mn-cs"/>
+              </a:rPr>
+              <a:t> STMSI </a:t>
+            </a:r>
+            <a:r>
+              <a:rPr lang="en-US" sz="1200" kern="1200" dirty="0" err="1" smtClean="0">
+                <a:solidFill>
+                  <a:schemeClr val="tx1"/>
+                </a:solidFill>
+                <a:effectLst/>
+                <a:latin typeface="+mn-lt"/>
+                <a:ea typeface="+mn-ea"/>
+                <a:cs typeface="+mn-cs"/>
+              </a:rPr>
+              <a:t>của</a:t>
+            </a:r>
+            <a:r>
+              <a:rPr lang="en-US" sz="1200" kern="1200" dirty="0" smtClean="0">
+                <a:solidFill>
+                  <a:schemeClr val="tx1"/>
+                </a:solidFill>
+                <a:effectLst/>
+                <a:latin typeface="+mn-lt"/>
+                <a:ea typeface="+mn-ea"/>
+                <a:cs typeface="+mn-cs"/>
+              </a:rPr>
+              <a:t> </a:t>
+            </a:r>
+            <a:r>
+              <a:rPr lang="en-US" sz="1200" kern="1200" dirty="0" err="1" smtClean="0">
+                <a:solidFill>
+                  <a:schemeClr val="tx1"/>
+                </a:solidFill>
+                <a:effectLst/>
+                <a:latin typeface="+mn-lt"/>
+                <a:ea typeface="+mn-ea"/>
+                <a:cs typeface="+mn-cs"/>
+              </a:rPr>
+              <a:t>mình</a:t>
+            </a:r>
+            <a:r>
+              <a:rPr lang="en-US" sz="1200" kern="1200" dirty="0" smtClean="0">
+                <a:solidFill>
+                  <a:schemeClr val="tx1"/>
+                </a:solidFill>
+                <a:effectLst/>
+                <a:latin typeface="+mn-lt"/>
+                <a:ea typeface="+mn-ea"/>
+                <a:cs typeface="+mn-cs"/>
+              </a:rPr>
+              <a:t> </a:t>
+            </a:r>
+            <a:r>
+              <a:rPr lang="en-US" sz="1200" kern="1200" dirty="0" err="1" smtClean="0">
+                <a:solidFill>
+                  <a:schemeClr val="tx1"/>
+                </a:solidFill>
+                <a:effectLst/>
+                <a:latin typeface="+mn-lt"/>
+                <a:ea typeface="+mn-ea"/>
+                <a:cs typeface="+mn-cs"/>
+              </a:rPr>
+              <a:t>thì</a:t>
+            </a:r>
+            <a:r>
+              <a:rPr lang="en-US" sz="1200" kern="1200" dirty="0" smtClean="0">
+                <a:solidFill>
+                  <a:schemeClr val="tx1"/>
+                </a:solidFill>
+                <a:effectLst/>
+                <a:latin typeface="+mn-lt"/>
+                <a:ea typeface="+mn-ea"/>
+                <a:cs typeface="+mn-cs"/>
+              </a:rPr>
+              <a:t> </a:t>
+            </a:r>
+            <a:r>
+              <a:rPr lang="en-US" sz="1200" kern="1200" dirty="0" err="1" smtClean="0">
+                <a:solidFill>
+                  <a:schemeClr val="tx1"/>
+                </a:solidFill>
+                <a:effectLst/>
+                <a:latin typeface="+mn-lt"/>
+                <a:ea typeface="+mn-ea"/>
+                <a:cs typeface="+mn-cs"/>
+              </a:rPr>
+              <a:t>sẽ</a:t>
+            </a:r>
+            <a:r>
+              <a:rPr lang="en-US" sz="1200" kern="1200" dirty="0" smtClean="0">
+                <a:solidFill>
+                  <a:schemeClr val="tx1"/>
+                </a:solidFill>
+                <a:effectLst/>
+                <a:latin typeface="+mn-lt"/>
+                <a:ea typeface="+mn-ea"/>
+                <a:cs typeface="+mn-cs"/>
+              </a:rPr>
+              <a:t> </a:t>
+            </a:r>
+            <a:r>
+              <a:rPr lang="en-US" sz="1200" kern="1200" dirty="0" err="1" smtClean="0">
+                <a:solidFill>
+                  <a:schemeClr val="tx1"/>
+                </a:solidFill>
+                <a:effectLst/>
+                <a:latin typeface="+mn-lt"/>
+                <a:ea typeface="+mn-ea"/>
+                <a:cs typeface="+mn-cs"/>
+              </a:rPr>
+              <a:t>gửi</a:t>
+            </a:r>
+            <a:r>
+              <a:rPr lang="en-US" sz="1200" kern="1200" dirty="0" smtClean="0">
+                <a:solidFill>
+                  <a:schemeClr val="tx1"/>
+                </a:solidFill>
+                <a:effectLst/>
+                <a:latin typeface="+mn-lt"/>
+                <a:ea typeface="+mn-ea"/>
+                <a:cs typeface="+mn-cs"/>
+              </a:rPr>
+              <a:t> </a:t>
+            </a:r>
+            <a:r>
+              <a:rPr lang="en-US" sz="1200" kern="1200" dirty="0" err="1" smtClean="0">
+                <a:solidFill>
+                  <a:schemeClr val="tx1"/>
+                </a:solidFill>
+                <a:effectLst/>
+                <a:latin typeface="+mn-lt"/>
+                <a:ea typeface="+mn-ea"/>
+                <a:cs typeface="+mn-cs"/>
+              </a:rPr>
+              <a:t>bản</a:t>
+            </a:r>
+            <a:r>
+              <a:rPr lang="en-US" sz="1200" kern="1200" dirty="0" smtClean="0">
+                <a:solidFill>
+                  <a:schemeClr val="tx1"/>
+                </a:solidFill>
+                <a:effectLst/>
+                <a:latin typeface="+mn-lt"/>
+                <a:ea typeface="+mn-ea"/>
+                <a:cs typeface="+mn-cs"/>
+              </a:rPr>
+              <a:t> tin </a:t>
+            </a:r>
+            <a:r>
+              <a:rPr lang="en-US" sz="1200" b="1" kern="1200" dirty="0" smtClean="0">
+                <a:solidFill>
+                  <a:schemeClr val="tx1"/>
+                </a:solidFill>
+                <a:effectLst/>
+                <a:latin typeface="+mn-lt"/>
+                <a:ea typeface="+mn-ea"/>
+                <a:cs typeface="+mn-cs"/>
+              </a:rPr>
+              <a:t>UE_RRC_CONNECTION_REQUEST </a:t>
+            </a:r>
+            <a:r>
+              <a:rPr lang="en-US" sz="1200" kern="1200" dirty="0" err="1" smtClean="0">
+                <a:solidFill>
+                  <a:schemeClr val="tx1"/>
+                </a:solidFill>
+                <a:effectLst/>
+                <a:latin typeface="+mn-lt"/>
+                <a:ea typeface="+mn-ea"/>
+                <a:cs typeface="+mn-cs"/>
+              </a:rPr>
+              <a:t>với</a:t>
+            </a:r>
+            <a:r>
+              <a:rPr lang="en-US" sz="1200" kern="1200" dirty="0" smtClean="0">
+                <a:solidFill>
+                  <a:schemeClr val="tx1"/>
+                </a:solidFill>
+                <a:effectLst/>
+                <a:latin typeface="+mn-lt"/>
+                <a:ea typeface="+mn-ea"/>
+                <a:cs typeface="+mn-cs"/>
+              </a:rPr>
+              <a:t> 5G S-TMSI </a:t>
+            </a:r>
+            <a:r>
+              <a:rPr lang="en-US" sz="1200" kern="1200" dirty="0" err="1" smtClean="0">
+                <a:solidFill>
+                  <a:schemeClr val="tx1"/>
+                </a:solidFill>
+                <a:effectLst/>
+                <a:latin typeface="+mn-lt"/>
+                <a:ea typeface="+mn-ea"/>
+                <a:cs typeface="+mn-cs"/>
+              </a:rPr>
+              <a:t>cho</a:t>
+            </a:r>
+            <a:r>
+              <a:rPr lang="en-US" sz="1200" kern="1200" dirty="0" smtClean="0">
+                <a:solidFill>
+                  <a:schemeClr val="tx1"/>
+                </a:solidFill>
+                <a:effectLst/>
+                <a:latin typeface="+mn-lt"/>
+                <a:ea typeface="+mn-ea"/>
+                <a:cs typeface="+mn-cs"/>
+              </a:rPr>
+              <a:t> </a:t>
+            </a:r>
+            <a:r>
+              <a:rPr lang="en-US" sz="1200" kern="1200" dirty="0" err="1" smtClean="0">
+                <a:solidFill>
+                  <a:schemeClr val="tx1"/>
+                </a:solidFill>
+                <a:effectLst/>
+                <a:latin typeface="+mn-lt"/>
+                <a:ea typeface="+mn-ea"/>
+                <a:cs typeface="+mn-cs"/>
+              </a:rPr>
+              <a:t>gNB</a:t>
+            </a:r>
+            <a:r>
+              <a:rPr lang="en-US" sz="1200" kern="1200" dirty="0" smtClean="0">
+                <a:solidFill>
+                  <a:schemeClr val="tx1"/>
+                </a:solidFill>
+                <a:effectLst/>
+                <a:latin typeface="+mn-lt"/>
+                <a:ea typeface="+mn-ea"/>
+                <a:cs typeface="+mn-cs"/>
+              </a:rPr>
+              <a:t> </a:t>
+            </a:r>
+            <a:r>
+              <a:rPr lang="en-US" sz="1200" kern="1200" dirty="0" err="1" smtClean="0">
+                <a:solidFill>
+                  <a:schemeClr val="tx1"/>
+                </a:solidFill>
+                <a:effectLst/>
+                <a:latin typeface="+mn-lt"/>
+                <a:ea typeface="+mn-ea"/>
+                <a:cs typeface="+mn-cs"/>
+              </a:rPr>
+              <a:t>và</a:t>
+            </a:r>
+            <a:r>
+              <a:rPr lang="en-US" sz="1200" kern="1200" dirty="0" smtClean="0">
+                <a:solidFill>
+                  <a:schemeClr val="tx1"/>
+                </a:solidFill>
+                <a:effectLst/>
+                <a:latin typeface="+mn-lt"/>
+                <a:ea typeface="+mn-ea"/>
+                <a:cs typeface="+mn-cs"/>
+              </a:rPr>
+              <a:t> </a:t>
+            </a:r>
+            <a:r>
+              <a:rPr lang="en-US" sz="1200" kern="1200" dirty="0" err="1" smtClean="0">
+                <a:solidFill>
+                  <a:schemeClr val="tx1"/>
+                </a:solidFill>
+                <a:effectLst/>
+                <a:latin typeface="+mn-lt"/>
+                <a:ea typeface="+mn-ea"/>
+                <a:cs typeface="+mn-cs"/>
+              </a:rPr>
+              <a:t>gNB</a:t>
+            </a:r>
+            <a:r>
+              <a:rPr lang="en-US" sz="1200" kern="1200" dirty="0" smtClean="0">
+                <a:solidFill>
+                  <a:schemeClr val="tx1"/>
+                </a:solidFill>
+                <a:effectLst/>
+                <a:latin typeface="+mn-lt"/>
+                <a:ea typeface="+mn-ea"/>
+                <a:cs typeface="+mn-cs"/>
+              </a:rPr>
+              <a:t> </a:t>
+            </a:r>
+            <a:r>
+              <a:rPr lang="en-US" sz="1200" kern="1200" dirty="0" err="1" smtClean="0">
+                <a:solidFill>
+                  <a:schemeClr val="tx1"/>
+                </a:solidFill>
+                <a:effectLst/>
+                <a:latin typeface="+mn-lt"/>
+                <a:ea typeface="+mn-ea"/>
+                <a:cs typeface="+mn-cs"/>
+              </a:rPr>
+              <a:t>lại</a:t>
+            </a:r>
+            <a:r>
+              <a:rPr lang="en-US" sz="1200" kern="1200" dirty="0" smtClean="0">
+                <a:solidFill>
+                  <a:schemeClr val="tx1"/>
+                </a:solidFill>
+                <a:effectLst/>
+                <a:latin typeface="+mn-lt"/>
+                <a:ea typeface="+mn-ea"/>
+                <a:cs typeface="+mn-cs"/>
+              </a:rPr>
+              <a:t> </a:t>
+            </a:r>
+            <a:r>
+              <a:rPr lang="en-US" sz="1200" kern="1200" dirty="0" err="1" smtClean="0">
+                <a:solidFill>
+                  <a:schemeClr val="tx1"/>
+                </a:solidFill>
+                <a:effectLst/>
+                <a:latin typeface="+mn-lt"/>
+                <a:ea typeface="+mn-ea"/>
+                <a:cs typeface="+mn-cs"/>
+              </a:rPr>
+              <a:t>gửi</a:t>
+            </a:r>
+            <a:r>
+              <a:rPr lang="en-US" sz="1200" kern="1200" dirty="0" smtClean="0">
+                <a:solidFill>
+                  <a:schemeClr val="tx1"/>
+                </a:solidFill>
+                <a:effectLst/>
+                <a:latin typeface="+mn-lt"/>
+                <a:ea typeface="+mn-ea"/>
+                <a:cs typeface="+mn-cs"/>
+              </a:rPr>
+              <a:t> </a:t>
+            </a:r>
+            <a:r>
+              <a:rPr lang="en-US" sz="1200" kern="1200" dirty="0" err="1" smtClean="0">
+                <a:solidFill>
+                  <a:schemeClr val="tx1"/>
+                </a:solidFill>
+                <a:effectLst/>
+                <a:latin typeface="+mn-lt"/>
+                <a:ea typeface="+mn-ea"/>
+                <a:cs typeface="+mn-cs"/>
+              </a:rPr>
+              <a:t>bản</a:t>
+            </a:r>
+            <a:r>
+              <a:rPr lang="en-US" sz="1200" kern="1200" dirty="0" smtClean="0">
+                <a:solidFill>
+                  <a:schemeClr val="tx1"/>
+                </a:solidFill>
+                <a:effectLst/>
+                <a:latin typeface="+mn-lt"/>
+                <a:ea typeface="+mn-ea"/>
+                <a:cs typeface="+mn-cs"/>
+              </a:rPr>
+              <a:t> tin</a:t>
+            </a:r>
+            <a:r>
+              <a:rPr lang="en-US" sz="1200" b="1" kern="1200" dirty="0" smtClean="0">
+                <a:solidFill>
+                  <a:schemeClr val="tx1"/>
+                </a:solidFill>
+                <a:effectLst/>
+                <a:latin typeface="+mn-lt"/>
+                <a:ea typeface="+mn-ea"/>
+                <a:cs typeface="+mn-cs"/>
+              </a:rPr>
+              <a:t> RRC_NGAP_UE_CONNECTION_ESTABLISHMENT</a:t>
+            </a:r>
+            <a:r>
+              <a:rPr lang="en-US" sz="1200" kern="1200" dirty="0" smtClean="0">
+                <a:solidFill>
+                  <a:schemeClr val="tx1"/>
+                </a:solidFill>
+                <a:effectLst/>
+                <a:latin typeface="+mn-lt"/>
+                <a:ea typeface="+mn-ea"/>
+                <a:cs typeface="+mn-cs"/>
+              </a:rPr>
+              <a:t>_REQUEST </a:t>
+            </a:r>
+            <a:r>
+              <a:rPr lang="en-US" sz="1200" kern="1200" dirty="0" err="1" smtClean="0">
+                <a:solidFill>
+                  <a:schemeClr val="tx1"/>
+                </a:solidFill>
+                <a:effectLst/>
+                <a:latin typeface="+mn-lt"/>
+                <a:ea typeface="+mn-ea"/>
+                <a:cs typeface="+mn-cs"/>
+              </a:rPr>
+              <a:t>với</a:t>
+            </a:r>
+            <a:r>
+              <a:rPr lang="en-US" sz="1200" kern="1200" dirty="0" smtClean="0">
+                <a:solidFill>
+                  <a:schemeClr val="tx1"/>
+                </a:solidFill>
+                <a:effectLst/>
+                <a:latin typeface="+mn-lt"/>
+                <a:ea typeface="+mn-ea"/>
+                <a:cs typeface="+mn-cs"/>
+              </a:rPr>
+              <a:t> bitmask Service Request </a:t>
+            </a:r>
+            <a:r>
+              <a:rPr lang="en-US" sz="1200" kern="1200" dirty="0" err="1" smtClean="0">
+                <a:solidFill>
+                  <a:schemeClr val="tx1"/>
+                </a:solidFill>
+                <a:effectLst/>
+                <a:latin typeface="+mn-lt"/>
+                <a:ea typeface="+mn-ea"/>
+                <a:cs typeface="+mn-cs"/>
+              </a:rPr>
+              <a:t>lên</a:t>
+            </a:r>
+            <a:r>
+              <a:rPr lang="en-US" sz="1200" kern="1200" dirty="0" smtClean="0">
+                <a:solidFill>
+                  <a:schemeClr val="tx1"/>
+                </a:solidFill>
+                <a:effectLst/>
+                <a:latin typeface="+mn-lt"/>
+                <a:ea typeface="+mn-ea"/>
+                <a:cs typeface="+mn-cs"/>
+              </a:rPr>
+              <a:t> </a:t>
+            </a:r>
+            <a:r>
+              <a:rPr lang="en-US" sz="1200" kern="1200" dirty="0" err="1" smtClean="0">
+                <a:solidFill>
+                  <a:schemeClr val="tx1"/>
+                </a:solidFill>
+                <a:effectLst/>
+                <a:latin typeface="+mn-lt"/>
+                <a:ea typeface="+mn-ea"/>
+                <a:cs typeface="+mn-cs"/>
+              </a:rPr>
+              <a:t>cho</a:t>
+            </a:r>
+            <a:r>
+              <a:rPr lang="en-US" sz="1200" kern="1200" dirty="0" smtClean="0">
+                <a:solidFill>
+                  <a:schemeClr val="tx1"/>
+                </a:solidFill>
+                <a:effectLst/>
+                <a:latin typeface="+mn-lt"/>
+                <a:ea typeface="+mn-ea"/>
+                <a:cs typeface="+mn-cs"/>
+              </a:rPr>
+              <a:t> AMF </a:t>
+            </a:r>
+            <a:r>
+              <a:rPr lang="en-US" sz="1200" kern="1200" dirty="0" err="1" smtClean="0">
+                <a:solidFill>
+                  <a:schemeClr val="tx1"/>
+                </a:solidFill>
+                <a:effectLst/>
+                <a:latin typeface="+mn-lt"/>
+                <a:ea typeface="+mn-ea"/>
+                <a:cs typeface="+mn-cs"/>
+              </a:rPr>
+              <a:t>mà</a:t>
+            </a:r>
+            <a:r>
+              <a:rPr lang="en-US" sz="1200" kern="1200" dirty="0" smtClean="0">
+                <a:solidFill>
+                  <a:schemeClr val="tx1"/>
+                </a:solidFill>
+                <a:effectLst/>
+                <a:latin typeface="+mn-lt"/>
+                <a:ea typeface="+mn-ea"/>
+                <a:cs typeface="+mn-cs"/>
+              </a:rPr>
+              <a:t> UE </a:t>
+            </a:r>
+            <a:r>
+              <a:rPr lang="en-US" sz="1200" kern="1200" dirty="0" err="1" smtClean="0">
+                <a:solidFill>
+                  <a:schemeClr val="tx1"/>
+                </a:solidFill>
+                <a:effectLst/>
+                <a:latin typeface="+mn-lt"/>
+                <a:ea typeface="+mn-ea"/>
+                <a:cs typeface="+mn-cs"/>
+              </a:rPr>
+              <a:t>đã</a:t>
+            </a:r>
+            <a:r>
+              <a:rPr lang="en-US" sz="1200" kern="1200" dirty="0" smtClean="0">
+                <a:solidFill>
+                  <a:schemeClr val="tx1"/>
+                </a:solidFill>
+                <a:effectLst/>
+                <a:latin typeface="+mn-lt"/>
+                <a:ea typeface="+mn-ea"/>
+                <a:cs typeface="+mn-cs"/>
+              </a:rPr>
+              <a:t> </a:t>
+            </a:r>
+            <a:r>
+              <a:rPr lang="en-US" sz="1200" kern="1200" dirty="0" err="1" smtClean="0">
+                <a:solidFill>
+                  <a:schemeClr val="tx1"/>
+                </a:solidFill>
+                <a:effectLst/>
+                <a:latin typeface="+mn-lt"/>
+                <a:ea typeface="+mn-ea"/>
+                <a:cs typeface="+mn-cs"/>
+              </a:rPr>
+              <a:t>truy</a:t>
+            </a:r>
+            <a:r>
+              <a:rPr lang="en-US" sz="1200" kern="1200" dirty="0" smtClean="0">
+                <a:solidFill>
+                  <a:schemeClr val="tx1"/>
+                </a:solidFill>
+                <a:effectLst/>
+                <a:latin typeface="+mn-lt"/>
+                <a:ea typeface="+mn-ea"/>
+                <a:cs typeface="+mn-cs"/>
+              </a:rPr>
+              <a:t> </a:t>
+            </a:r>
+            <a:r>
+              <a:rPr lang="en-US" sz="1200" kern="1200" dirty="0" err="1" smtClean="0">
+                <a:solidFill>
+                  <a:schemeClr val="tx1"/>
+                </a:solidFill>
+                <a:effectLst/>
+                <a:latin typeface="+mn-lt"/>
+                <a:ea typeface="+mn-ea"/>
+                <a:cs typeface="+mn-cs"/>
+              </a:rPr>
+              <a:t>cập</a:t>
+            </a:r>
+            <a:r>
+              <a:rPr lang="en-US" sz="1200" kern="1200" dirty="0" smtClean="0">
+                <a:solidFill>
+                  <a:schemeClr val="tx1"/>
+                </a:solidFill>
+                <a:effectLst/>
+                <a:latin typeface="+mn-lt"/>
+                <a:ea typeface="+mn-ea"/>
+                <a:cs typeface="+mn-cs"/>
+              </a:rPr>
+              <a:t> </a:t>
+            </a:r>
+            <a:r>
+              <a:rPr lang="en-US" sz="1200" kern="1200" dirty="0" err="1" smtClean="0">
+                <a:solidFill>
+                  <a:schemeClr val="tx1"/>
+                </a:solidFill>
+                <a:effectLst/>
+                <a:latin typeface="+mn-lt"/>
+                <a:ea typeface="+mn-ea"/>
+                <a:cs typeface="+mn-cs"/>
+              </a:rPr>
+              <a:t>trước</a:t>
+            </a:r>
+            <a:r>
+              <a:rPr lang="en-US" sz="1200" kern="1200" dirty="0" smtClean="0">
+                <a:solidFill>
+                  <a:schemeClr val="tx1"/>
+                </a:solidFill>
+                <a:effectLst/>
+                <a:latin typeface="+mn-lt"/>
+                <a:ea typeface="+mn-ea"/>
+                <a:cs typeface="+mn-cs"/>
+              </a:rPr>
+              <a:t> </a:t>
+            </a:r>
+            <a:r>
+              <a:rPr lang="en-US" sz="1200" kern="1200" dirty="0" err="1" smtClean="0">
+                <a:solidFill>
+                  <a:schemeClr val="tx1"/>
+                </a:solidFill>
+                <a:effectLst/>
+                <a:latin typeface="+mn-lt"/>
+                <a:ea typeface="+mn-ea"/>
+                <a:cs typeface="+mn-cs"/>
+              </a:rPr>
+              <a:t>đó</a:t>
+            </a:r>
+            <a:r>
+              <a:rPr lang="en-US" sz="1200" kern="1200" dirty="0" smtClean="0">
+                <a:solidFill>
+                  <a:schemeClr val="tx1"/>
+                </a:solidFill>
+                <a:effectLst/>
+                <a:latin typeface="+mn-lt"/>
+                <a:ea typeface="+mn-ea"/>
+                <a:cs typeface="+mn-cs"/>
+              </a:rPr>
+              <a:t>, </a:t>
+            </a:r>
+            <a:r>
+              <a:rPr lang="en-US" sz="1200" kern="1200" dirty="0" err="1" smtClean="0">
+                <a:solidFill>
+                  <a:schemeClr val="tx1"/>
+                </a:solidFill>
+                <a:effectLst/>
+                <a:latin typeface="+mn-lt"/>
+                <a:ea typeface="+mn-ea"/>
+                <a:cs typeface="+mn-cs"/>
+              </a:rPr>
+              <a:t>sau</a:t>
+            </a:r>
+            <a:r>
+              <a:rPr lang="en-US" sz="1200" kern="1200" dirty="0" smtClean="0">
+                <a:solidFill>
+                  <a:schemeClr val="tx1"/>
+                </a:solidFill>
+                <a:effectLst/>
+                <a:latin typeface="+mn-lt"/>
+                <a:ea typeface="+mn-ea"/>
+                <a:cs typeface="+mn-cs"/>
+              </a:rPr>
+              <a:t> </a:t>
+            </a:r>
+            <a:r>
+              <a:rPr lang="en-US" sz="1200" kern="1200" dirty="0" err="1" smtClean="0">
+                <a:solidFill>
+                  <a:schemeClr val="tx1"/>
+                </a:solidFill>
+                <a:effectLst/>
+                <a:latin typeface="+mn-lt"/>
+                <a:ea typeface="+mn-ea"/>
+                <a:cs typeface="+mn-cs"/>
+              </a:rPr>
+              <a:t>khi</a:t>
+            </a:r>
+            <a:r>
+              <a:rPr lang="en-US" sz="1200" kern="1200" dirty="0" smtClean="0">
+                <a:solidFill>
+                  <a:schemeClr val="tx1"/>
+                </a:solidFill>
+                <a:effectLst/>
+                <a:latin typeface="+mn-lt"/>
+                <a:ea typeface="+mn-ea"/>
+                <a:cs typeface="+mn-cs"/>
+              </a:rPr>
+              <a:t> </a:t>
+            </a:r>
+            <a:r>
+              <a:rPr lang="en-US" sz="1200" kern="1200" dirty="0" err="1" smtClean="0">
+                <a:solidFill>
+                  <a:schemeClr val="tx1"/>
+                </a:solidFill>
+                <a:effectLst/>
+                <a:latin typeface="+mn-lt"/>
+                <a:ea typeface="+mn-ea"/>
+                <a:cs typeface="+mn-cs"/>
+              </a:rPr>
+              <a:t>nhận</a:t>
+            </a:r>
+            <a:r>
+              <a:rPr lang="en-US" sz="1200" kern="1200" dirty="0" smtClean="0">
+                <a:solidFill>
+                  <a:schemeClr val="tx1"/>
+                </a:solidFill>
+                <a:effectLst/>
+                <a:latin typeface="+mn-lt"/>
+                <a:ea typeface="+mn-ea"/>
+                <a:cs typeface="+mn-cs"/>
+              </a:rPr>
+              <a:t> </a:t>
+            </a:r>
+            <a:r>
+              <a:rPr lang="en-US" sz="1200" b="1" kern="1200" dirty="0" smtClean="0">
+                <a:solidFill>
+                  <a:schemeClr val="tx1"/>
+                </a:solidFill>
+                <a:effectLst/>
+                <a:latin typeface="+mn-lt"/>
+                <a:ea typeface="+mn-ea"/>
+                <a:cs typeface="+mn-cs"/>
+              </a:rPr>
+              <a:t>RRC_UE_CONNECTION_RESPONSE</a:t>
+            </a:r>
+            <a:r>
+              <a:rPr lang="en-US" sz="1200" kern="1200" dirty="0" smtClean="0">
+                <a:solidFill>
+                  <a:schemeClr val="tx1"/>
+                </a:solidFill>
+                <a:effectLst/>
+                <a:latin typeface="+mn-lt"/>
+                <a:ea typeface="+mn-ea"/>
+                <a:cs typeface="+mn-cs"/>
+              </a:rPr>
+              <a:t>  </a:t>
+            </a:r>
+            <a:r>
+              <a:rPr lang="en-US" sz="1200" kern="1200" dirty="0" err="1" smtClean="0">
+                <a:solidFill>
+                  <a:schemeClr val="tx1"/>
+                </a:solidFill>
+                <a:effectLst/>
+                <a:latin typeface="+mn-lt"/>
+                <a:ea typeface="+mn-ea"/>
+                <a:cs typeface="+mn-cs"/>
+              </a:rPr>
+              <a:t>chuyển</a:t>
+            </a:r>
+            <a:r>
+              <a:rPr lang="en-US" sz="1200" kern="1200" dirty="0" smtClean="0">
+                <a:solidFill>
+                  <a:schemeClr val="tx1"/>
+                </a:solidFill>
+                <a:effectLst/>
+                <a:latin typeface="+mn-lt"/>
+                <a:ea typeface="+mn-ea"/>
+                <a:cs typeface="+mn-cs"/>
+              </a:rPr>
+              <a:t> </a:t>
+            </a:r>
+            <a:r>
+              <a:rPr lang="en-US" sz="1200" kern="1200" dirty="0" err="1" smtClean="0">
+                <a:solidFill>
+                  <a:schemeClr val="tx1"/>
+                </a:solidFill>
+                <a:effectLst/>
+                <a:latin typeface="+mn-lt"/>
+                <a:ea typeface="+mn-ea"/>
+                <a:cs typeface="+mn-cs"/>
+              </a:rPr>
+              <a:t>trạng</a:t>
+            </a:r>
+            <a:r>
+              <a:rPr lang="en-US" sz="1200" kern="1200" dirty="0" smtClean="0">
+                <a:solidFill>
+                  <a:schemeClr val="tx1"/>
+                </a:solidFill>
+                <a:effectLst/>
+                <a:latin typeface="+mn-lt"/>
+                <a:ea typeface="+mn-ea"/>
+                <a:cs typeface="+mn-cs"/>
+              </a:rPr>
+              <a:t> </a:t>
+            </a:r>
+            <a:r>
+              <a:rPr lang="en-US" sz="1200" kern="1200" dirty="0" err="1" smtClean="0">
+                <a:solidFill>
+                  <a:schemeClr val="tx1"/>
+                </a:solidFill>
+                <a:effectLst/>
+                <a:latin typeface="+mn-lt"/>
+                <a:ea typeface="+mn-ea"/>
+                <a:cs typeface="+mn-cs"/>
+              </a:rPr>
+              <a:t>thái</a:t>
+            </a:r>
+            <a:r>
+              <a:rPr lang="en-US" sz="1200" kern="1200" dirty="0" smtClean="0">
+                <a:solidFill>
+                  <a:schemeClr val="tx1"/>
+                </a:solidFill>
+                <a:effectLst/>
+                <a:latin typeface="+mn-lt"/>
+                <a:ea typeface="+mn-ea"/>
+                <a:cs typeface="+mn-cs"/>
+              </a:rPr>
+              <a:t> </a:t>
+            </a:r>
+            <a:r>
+              <a:rPr lang="en-US" sz="1200" kern="1200" dirty="0" err="1" smtClean="0">
+                <a:solidFill>
+                  <a:schemeClr val="tx1"/>
+                </a:solidFill>
+                <a:effectLst/>
+                <a:latin typeface="+mn-lt"/>
+                <a:ea typeface="+mn-ea"/>
+                <a:cs typeface="+mn-cs"/>
+              </a:rPr>
+              <a:t>về</a:t>
+            </a:r>
+            <a:r>
+              <a:rPr lang="en-US" sz="1200" kern="1200" smtClean="0">
+                <a:solidFill>
+                  <a:schemeClr val="tx1"/>
+                </a:solidFill>
+                <a:effectLst/>
+                <a:latin typeface="+mn-lt"/>
+                <a:ea typeface="+mn-ea"/>
+                <a:cs typeface="+mn-cs"/>
+              </a:rPr>
+              <a:t> </a:t>
+            </a:r>
+            <a:r>
+              <a:rPr lang="en-US" sz="1200" b="1" i="1" kern="1200" smtClean="0">
+                <a:solidFill>
+                  <a:schemeClr val="tx1"/>
+                </a:solidFill>
+                <a:effectLst/>
+                <a:latin typeface="+mn-lt"/>
+                <a:ea typeface="+mn-ea"/>
+                <a:cs typeface="+mn-cs"/>
+              </a:rPr>
+              <a:t>UE_CONNECTED.</a:t>
+            </a:r>
+            <a:endParaRPr lang="en-US" sz="1200" kern="1200" smtClean="0">
+              <a:solidFill>
+                <a:schemeClr val="tx1"/>
+              </a:solidFill>
+              <a:effectLst/>
+              <a:latin typeface="+mn-lt"/>
+              <a:ea typeface="+mn-ea"/>
+              <a:cs typeface="+mn-cs"/>
+            </a:endParaRPr>
+          </a:p>
+          <a:p>
+            <a:endParaRPr lang="en-US" dirty="0"/>
+          </a:p>
+        </p:txBody>
+      </p:sp>
+      <p:sp>
+        <p:nvSpPr>
+          <p:cNvPr id="4" name="Slide Number Placeholder 3"/>
+          <p:cNvSpPr>
+            <a:spLocks noGrp="1"/>
+          </p:cNvSpPr>
+          <p:nvPr>
+            <p:ph type="sldNum" sz="quarter" idx="10"/>
+          </p:nvPr>
+        </p:nvSpPr>
+        <p:spPr/>
+        <p:txBody>
+          <a:bodyPr/>
+          <a:lstStyle/>
+          <a:p>
+            <a:fld id="{FEDA6FAE-9368-49D6-9C73-5AAC54910E29}" type="slidenum">
+              <a:rPr lang="en-US" smtClean="0"/>
+              <a:t>4</a:t>
+            </a:fld>
+            <a:endParaRPr lang="en-US"/>
+          </a:p>
+        </p:txBody>
+      </p:sp>
+    </p:spTree>
+    <p:extLst>
+      <p:ext uri="{BB962C8B-B14F-4D97-AF65-F5344CB8AC3E}">
+        <p14:creationId xmlns:p14="http://schemas.microsoft.com/office/powerpoint/2010/main" val="443957250"/>
+      </p:ext>
+    </p:extLst>
+  </p:cSld>
+  <p:clrMapOvr>
+    <a:masterClrMapping/>
+  </p:clrMapOvr>
+</p:notes>
 </file>
 
 <file path=ppt/slideLayouts/slideLayout1.xml><?xml version="1.0" encoding="utf-8"?>
@@ -8927,7 +12363,7 @@
             </a:pathLst>
           </a:custGeom>
           <a:blipFill>
-            <a:blip r:embed="rId2">
+            <a:blip r:embed="rId3">
               <a:alphaModFix amt="9999"/>
             </a:blip>
             <a:stretch>
@@ -9320,7 +12756,7 @@
           <p:nvPr/>
         </p:nvPicPr>
         <p:blipFill>
-          <a:blip r:embed="rId3">
+          <a:blip r:embed="rId4">
             <a:extLst>
               <a:ext uri="{28A0092B-C50C-407E-A947-70E740481C1C}">
                 <a14:useLocalDpi xmlns:a14="http://schemas.microsoft.com/office/drawing/2010/main" val="0"/>

--- a/báo cáo Project VHT 2025.pptx
+++ b/báo cáo Project VHT 2025.pptx
@@ -25,35 +25,35 @@
   <p:notesSz cx="6858000" cy="9144000"/>
   <p:embeddedFontLst>
     <p:embeddedFont>
-      <p:font typeface="Montserrat Bold" panose="020B0604020202020204" charset="0"/>
+      <p:font typeface="Calibri" panose="020F0502020204030204" pitchFamily="34" charset="0"/>
       <p:regular r:id="rId15"/>
       <p:bold r:id="rId16"/>
+      <p:italic r:id="rId17"/>
+      <p:boldItalic r:id="rId18"/>
+    </p:embeddedFont>
+    <p:embeddedFont>
+      <p:font typeface="Montserrat" panose="00000500000000000000" pitchFamily="2" charset="0"/>
+      <p:regular r:id="rId19"/>
+      <p:bold r:id="rId20"/>
+      <p:italic r:id="rId21"/>
+      <p:boldItalic r:id="rId22"/>
+    </p:embeddedFont>
+    <p:embeddedFont>
+      <p:font typeface="Montserrat Bold" panose="00000800000000000000" pitchFamily="2" charset="0"/>
+      <p:regular r:id="rId23"/>
+      <p:bold r:id="rId24"/>
     </p:embeddedFont>
     <p:embeddedFont>
       <p:font typeface="Monument" panose="020B0604020202020204" charset="0"/>
-      <p:regular r:id="rId17"/>
-    </p:embeddedFont>
-    <p:embeddedFont>
-      <p:font typeface="Calibri" panose="020F0502020204030204" pitchFamily="34" charset="0"/>
-      <p:regular r:id="rId18"/>
-      <p:bold r:id="rId19"/>
-      <p:italic r:id="rId20"/>
-      <p:boldItalic r:id="rId21"/>
+      <p:regular r:id="rId25"/>
     </p:embeddedFont>
     <p:embeddedFont>
       <p:font typeface="Montserrat Bold Italics" panose="020B0604020202020204" charset="0"/>
-      <p:regular r:id="rId22"/>
+      <p:regular r:id="rId26"/>
     </p:embeddedFont>
     <p:embeddedFont>
       <p:font typeface="Montserrat Ultra-Bold" panose="020B0604020202020204" charset="0"/>
-      <p:regular r:id="rId23"/>
-    </p:embeddedFont>
-    <p:embeddedFont>
-      <p:font typeface="Montserrat" panose="020B0604020202020204" charset="0"/>
-      <p:regular r:id="rId24"/>
-      <p:bold r:id="rId25"/>
-      <p:italic r:id="rId26"/>
-      <p:boldItalic r:id="rId27"/>
+      <p:regular r:id="rId27"/>
     </p:embeddedFont>
   </p:embeddedFontLst>
   <p:defaultTextStyle>
@@ -252,7 +252,7 @@
           <a:p>
             <a:fld id="{EC72DD8E-7F0C-405A-810C-F2A3689E5B48}" type="datetimeFigureOut">
               <a:rPr lang="en-US" smtClean="0"/>
-              <a:t>9/26/2025</a:t>
+              <a:t>9/29/2025</a:t>
             </a:fld>
             <a:endParaRPr lang="en-US"/>
           </a:p>
@@ -4135,7 +4135,7 @@
             <a:fld id="{1D8BD707-D9CF-40AE-B4C6-C98DA3205C09}" type="datetimeFigureOut">
               <a:rPr lang="en-US" smtClean="0"/>
               <a:pPr/>
-              <a:t>9/26/2025</a:t>
+              <a:t>9/29/2025</a:t>
             </a:fld>
             <a:endParaRPr lang="en-US"/>
           </a:p>
@@ -4300,7 +4300,7 @@
             <a:fld id="{1D8BD707-D9CF-40AE-B4C6-C98DA3205C09}" type="datetimeFigureOut">
               <a:rPr lang="en-US" smtClean="0"/>
               <a:pPr/>
-              <a:t>9/26/2025</a:t>
+              <a:t>9/29/2025</a:t>
             </a:fld>
             <a:endParaRPr lang="en-US"/>
           </a:p>
@@ -4475,7 +4475,7 @@
             <a:fld id="{1D8BD707-D9CF-40AE-B4C6-C98DA3205C09}" type="datetimeFigureOut">
               <a:rPr lang="en-US" smtClean="0"/>
               <a:pPr/>
-              <a:t>9/26/2025</a:t>
+              <a:t>9/29/2025</a:t>
             </a:fld>
             <a:endParaRPr lang="en-US"/>
           </a:p>
@@ -4640,7 +4640,7 @@
             <a:fld id="{1D8BD707-D9CF-40AE-B4C6-C98DA3205C09}" type="datetimeFigureOut">
               <a:rPr lang="en-US" smtClean="0"/>
               <a:pPr/>
-              <a:t>9/26/2025</a:t>
+              <a:t>9/29/2025</a:t>
             </a:fld>
             <a:endParaRPr lang="en-US"/>
           </a:p>
@@ -4882,7 +4882,7 @@
             <a:fld id="{1D8BD707-D9CF-40AE-B4C6-C98DA3205C09}" type="datetimeFigureOut">
               <a:rPr lang="en-US" smtClean="0"/>
               <a:pPr/>
-              <a:t>9/26/2025</a:t>
+              <a:t>9/29/2025</a:t>
             </a:fld>
             <a:endParaRPr lang="en-US"/>
           </a:p>
@@ -5164,7 +5164,7 @@
             <a:fld id="{1D8BD707-D9CF-40AE-B4C6-C98DA3205C09}" type="datetimeFigureOut">
               <a:rPr lang="en-US" smtClean="0"/>
               <a:pPr/>
-              <a:t>9/26/2025</a:t>
+              <a:t>9/29/2025</a:t>
             </a:fld>
             <a:endParaRPr lang="en-US"/>
           </a:p>
@@ -5580,7 +5580,7 @@
             <a:fld id="{1D8BD707-D9CF-40AE-B4C6-C98DA3205C09}" type="datetimeFigureOut">
               <a:rPr lang="en-US" smtClean="0"/>
               <a:pPr/>
-              <a:t>9/26/2025</a:t>
+              <a:t>9/29/2025</a:t>
             </a:fld>
             <a:endParaRPr lang="en-US"/>
           </a:p>
@@ -5694,7 +5694,7 @@
             <a:fld id="{1D8BD707-D9CF-40AE-B4C6-C98DA3205C09}" type="datetimeFigureOut">
               <a:rPr lang="en-US" smtClean="0"/>
               <a:pPr/>
-              <a:t>9/26/2025</a:t>
+              <a:t>9/29/2025</a:t>
             </a:fld>
             <a:endParaRPr lang="en-US"/>
           </a:p>
@@ -5786,7 +5786,7 @@
             <a:fld id="{1D8BD707-D9CF-40AE-B4C6-C98DA3205C09}" type="datetimeFigureOut">
               <a:rPr lang="en-US" smtClean="0"/>
               <a:pPr/>
-              <a:t>9/26/2025</a:t>
+              <a:t>9/29/2025</a:t>
             </a:fld>
             <a:endParaRPr lang="en-US"/>
           </a:p>
@@ -6058,7 +6058,7 @@
             <a:fld id="{1D8BD707-D9CF-40AE-B4C6-C98DA3205C09}" type="datetimeFigureOut">
               <a:rPr lang="en-US" smtClean="0"/>
               <a:pPr/>
-              <a:t>9/26/2025</a:t>
+              <a:t>9/29/2025</a:t>
             </a:fld>
             <a:endParaRPr lang="en-US"/>
           </a:p>
@@ -6307,7 +6307,7 @@
             <a:fld id="{1D8BD707-D9CF-40AE-B4C6-C98DA3205C09}" type="datetimeFigureOut">
               <a:rPr lang="en-US" smtClean="0"/>
               <a:pPr/>
-              <a:t>9/26/2025</a:t>
+              <a:t>9/29/2025</a:t>
             </a:fld>
             <a:endParaRPr lang="en-US"/>
           </a:p>
@@ -6515,7 +6515,7 @@
             <a:fld id="{1D8BD707-D9CF-40AE-B4C6-C98DA3205C09}" type="datetimeFigureOut">
               <a:rPr lang="en-US" smtClean="0"/>
               <a:pPr/>
-              <a:t>9/26/2025</a:t>
+              <a:t>9/29/2025</a:t>
             </a:fld>
             <a:endParaRPr lang="en-US"/>
           </a:p>
@@ -6894,8 +6894,8 @@
         </p:nvSpPr>
         <p:spPr>
           <a:xfrm>
-            <a:off x="0" y="0"/>
-            <a:ext cx="18456596" cy="10543330"/>
+            <a:off x="-12192" y="54864"/>
+            <a:ext cx="18288000" cy="10232136"/>
           </a:xfrm>
           <a:custGeom>
             <a:avLst/>
@@ -6942,7 +6942,7 @@
         </p:nvGrpSpPr>
         <p:grpSpPr>
           <a:xfrm>
-            <a:off x="970949" y="2375468"/>
+            <a:off x="970949" y="2478246"/>
             <a:ext cx="16514698" cy="3086100"/>
             <a:chOff x="0" y="0"/>
             <a:chExt cx="4274726" cy="812800"/>
@@ -7028,7 +7028,7 @@
         </p:nvSpPr>
         <p:spPr>
           <a:xfrm>
-            <a:off x="2819400" y="3252759"/>
+            <a:off x="2998528" y="3302314"/>
             <a:ext cx="11506200" cy="1641475"/>
           </a:xfrm>
           <a:prstGeom prst="rect">
@@ -9691,8 +9691,8 @@
         </p:nvSpPr>
         <p:spPr>
           <a:xfrm>
-            <a:off x="-143196" y="0"/>
-            <a:ext cx="18456596" cy="10543330"/>
+            <a:off x="0" y="0"/>
+            <a:ext cx="18313400" cy="10287000"/>
           </a:xfrm>
           <a:custGeom>
             <a:avLst/>
@@ -10558,8 +10558,8 @@
         </p:nvSpPr>
         <p:spPr>
           <a:xfrm>
-            <a:off x="0" y="-647700"/>
-            <a:ext cx="18456596" cy="10543330"/>
+            <a:off x="0" y="131373"/>
+            <a:ext cx="18288000" cy="10155627"/>
           </a:xfrm>
           <a:custGeom>
             <a:avLst/>
@@ -12332,8 +12332,8 @@
         </p:nvSpPr>
         <p:spPr>
           <a:xfrm>
-            <a:off x="-168596" y="-22860"/>
-            <a:ext cx="18456596" cy="10543330"/>
+            <a:off x="-152400" y="-22860"/>
+            <a:ext cx="18440400" cy="10309860"/>
           </a:xfrm>
           <a:custGeom>
             <a:avLst/>
@@ -13280,8 +13280,8 @@
         </p:nvSpPr>
         <p:spPr>
           <a:xfrm>
-            <a:off x="-168596" y="-22860"/>
-            <a:ext cx="18456596" cy="10543330"/>
+            <a:off x="0" y="-22860"/>
+            <a:ext cx="18288000" cy="10309860"/>
           </a:xfrm>
           <a:custGeom>
             <a:avLst/>
